--- a/Isoya20170216.pptx
+++ b/Isoya20170216.pptx
@@ -4,6 +4,12 @@
   <p:sldMasterIdLst>
     <p:sldMasterId id="2147493455" r:id="rId4"/>
   </p:sldMasterIdLst>
+  <p:notesMasterIdLst>
+    <p:notesMasterId r:id="rId12"/>
+  </p:notesMasterIdLst>
+  <p:handoutMasterIdLst>
+    <p:handoutMasterId r:id="rId13"/>
+  </p:handoutMasterIdLst>
   <p:sldIdLst>
     <p:sldId id="256" r:id="rId5"/>
     <p:sldId id="257" r:id="rId6"/>
@@ -113,6 +119,555 @@
 </p:presentation>
 </file>
 
+<file path=ppt/handoutMasters/handoutMaster1.xml><?xml version="1.0" encoding="utf-8"?>
+<p:handoutMaster xmlns:a="http://schemas.openxmlformats.org/drawingml/2006/main" xmlns:r="http://schemas.openxmlformats.org/officeDocument/2006/relationships" xmlns:p="http://schemas.openxmlformats.org/presentationml/2006/main">
+  <p:cSld>
+    <p:bg>
+      <p:bgRef idx="1001">
+        <a:schemeClr val="bg1"/>
+      </p:bgRef>
+    </p:bg>
+    <p:spTree>
+      <p:nvGrpSpPr>
+        <p:cNvPr id="1" name=""/>
+        <p:cNvGrpSpPr/>
+        <p:nvPr/>
+      </p:nvGrpSpPr>
+      <p:grpSpPr>
+        <a:xfrm>
+          <a:off x="0" y="0"/>
+          <a:ext cx="0" cy="0"/>
+          <a:chOff x="0" y="0"/>
+          <a:chExt cx="0" cy="0"/>
+        </a:xfrm>
+      </p:grpSpPr>
+      <p:sp>
+        <p:nvSpPr>
+          <p:cNvPr id="2" name="ヘッダー プレースホルダー 1"/>
+          <p:cNvSpPr>
+            <a:spLocks noGrp="1"/>
+          </p:cNvSpPr>
+          <p:nvPr>
+            <p:ph type="hdr" sz="quarter"/>
+          </p:nvPr>
+        </p:nvSpPr>
+        <p:spPr>
+          <a:xfrm>
+            <a:off x="0" y="0"/>
+            <a:ext cx="2971800" cy="457200"/>
+          </a:xfrm>
+          <a:prstGeom prst="rect">
+            <a:avLst/>
+          </a:prstGeom>
+        </p:spPr>
+        <p:txBody>
+          <a:bodyPr vert="horz" lIns="91440" tIns="45720" rIns="91440" bIns="45720" rtlCol="0"/>
+          <a:lstStyle>
+            <a:lvl1pPr algn="l">
+              <a:defRPr sz="1200"/>
+            </a:lvl1pPr>
+          </a:lstStyle>
+          <a:p>
+            <a:endParaRPr kumimoji="1" lang="ja-JP" altLang="en-US"/>
+          </a:p>
+        </p:txBody>
+      </p:sp>
+      <p:sp>
+        <p:nvSpPr>
+          <p:cNvPr id="3" name="日付プレースホルダー 2"/>
+          <p:cNvSpPr>
+            <a:spLocks noGrp="1"/>
+          </p:cNvSpPr>
+          <p:nvPr>
+            <p:ph type="dt" sz="quarter" idx="1"/>
+          </p:nvPr>
+        </p:nvSpPr>
+        <p:spPr>
+          <a:xfrm>
+            <a:off x="3884613" y="0"/>
+            <a:ext cx="2971800" cy="457200"/>
+          </a:xfrm>
+          <a:prstGeom prst="rect">
+            <a:avLst/>
+          </a:prstGeom>
+        </p:spPr>
+        <p:txBody>
+          <a:bodyPr vert="horz" lIns="91440" tIns="45720" rIns="91440" bIns="45720" rtlCol="0"/>
+          <a:lstStyle>
+            <a:lvl1pPr algn="r">
+              <a:defRPr sz="1200"/>
+            </a:lvl1pPr>
+          </a:lstStyle>
+          <a:p>
+            <a:fld id="{FB726C7B-401F-074E-BBD7-11B0B12A3CC6}" type="datetimeFigureOut">
+              <a:rPr kumimoji="1" lang="ja-JP" altLang="en-US" smtClean="0"/>
+              <a:t>2017/02/04</a:t>
+            </a:fld>
+            <a:endParaRPr kumimoji="1" lang="ja-JP" altLang="en-US"/>
+          </a:p>
+        </p:txBody>
+      </p:sp>
+      <p:sp>
+        <p:nvSpPr>
+          <p:cNvPr id="4" name="フッター プレースホルダー 3"/>
+          <p:cNvSpPr>
+            <a:spLocks noGrp="1"/>
+          </p:cNvSpPr>
+          <p:nvPr>
+            <p:ph type="ftr" sz="quarter" idx="2"/>
+          </p:nvPr>
+        </p:nvSpPr>
+        <p:spPr>
+          <a:xfrm>
+            <a:off x="0" y="8685213"/>
+            <a:ext cx="2971800" cy="457200"/>
+          </a:xfrm>
+          <a:prstGeom prst="rect">
+            <a:avLst/>
+          </a:prstGeom>
+        </p:spPr>
+        <p:txBody>
+          <a:bodyPr vert="horz" lIns="91440" tIns="45720" rIns="91440" bIns="45720" rtlCol="0" anchor="b"/>
+          <a:lstStyle>
+            <a:lvl1pPr algn="l">
+              <a:defRPr sz="1200"/>
+            </a:lvl1pPr>
+          </a:lstStyle>
+          <a:p>
+            <a:endParaRPr kumimoji="1" lang="ja-JP" altLang="en-US"/>
+          </a:p>
+        </p:txBody>
+      </p:sp>
+      <p:sp>
+        <p:nvSpPr>
+          <p:cNvPr id="5" name="スライド番号プレースホルダー 4"/>
+          <p:cNvSpPr>
+            <a:spLocks noGrp="1"/>
+          </p:cNvSpPr>
+          <p:nvPr>
+            <p:ph type="sldNum" sz="quarter" idx="3"/>
+          </p:nvPr>
+        </p:nvSpPr>
+        <p:spPr>
+          <a:xfrm>
+            <a:off x="3884613" y="8685213"/>
+            <a:ext cx="2971800" cy="457200"/>
+          </a:xfrm>
+          <a:prstGeom prst="rect">
+            <a:avLst/>
+          </a:prstGeom>
+        </p:spPr>
+        <p:txBody>
+          <a:bodyPr vert="horz" lIns="91440" tIns="45720" rIns="91440" bIns="45720" rtlCol="0" anchor="b"/>
+          <a:lstStyle>
+            <a:lvl1pPr algn="r">
+              <a:defRPr sz="1200"/>
+            </a:lvl1pPr>
+          </a:lstStyle>
+          <a:p>
+            <a:fld id="{AEE4EC61-4347-C041-A3FE-3BB63162DA24}" type="slidenum">
+              <a:rPr kumimoji="1" lang="ja-JP" altLang="en-US" smtClean="0"/>
+              <a:t>‹#›</a:t>
+            </a:fld>
+            <a:endParaRPr kumimoji="1" lang="ja-JP" altLang="en-US"/>
+          </a:p>
+        </p:txBody>
+      </p:sp>
+    </p:spTree>
+    <p:extLst>
+      <p:ext uri="{BB962C8B-B14F-4D97-AF65-F5344CB8AC3E}">
+        <p14:creationId xmlns:p14="http://schemas.microsoft.com/office/powerpoint/2010/main" val="1050813073"/>
+      </p:ext>
+    </p:extLst>
+  </p:cSld>
+  <p:clrMap bg1="lt1" tx1="dk1" bg2="lt2" tx2="dk2" accent1="accent1" accent2="accent2" accent3="accent3" accent4="accent4" accent5="accent5" accent6="accent6" hlink="hlink" folHlink="folHlink"/>
+  <p:hf hdr="0" ftr="0" dt="0"/>
+</p:handoutMaster>
+</file>
+
+<file path=ppt/notesMasters/notesMaster1.xml><?xml version="1.0" encoding="utf-8"?>
+<p:notesMaster xmlns:a="http://schemas.openxmlformats.org/drawingml/2006/main" xmlns:r="http://schemas.openxmlformats.org/officeDocument/2006/relationships" xmlns:p="http://schemas.openxmlformats.org/presentationml/2006/main">
+  <p:cSld>
+    <p:bg>
+      <p:bgRef idx="1001">
+        <a:schemeClr val="bg1"/>
+      </p:bgRef>
+    </p:bg>
+    <p:spTree>
+      <p:nvGrpSpPr>
+        <p:cNvPr id="1" name=""/>
+        <p:cNvGrpSpPr/>
+        <p:nvPr/>
+      </p:nvGrpSpPr>
+      <p:grpSpPr>
+        <a:xfrm>
+          <a:off x="0" y="0"/>
+          <a:ext cx="0" cy="0"/>
+          <a:chOff x="0" y="0"/>
+          <a:chExt cx="0" cy="0"/>
+        </a:xfrm>
+      </p:grpSpPr>
+      <p:sp>
+        <p:nvSpPr>
+          <p:cNvPr id="2" name="ヘッダー プレースホルダー 1"/>
+          <p:cNvSpPr>
+            <a:spLocks noGrp="1"/>
+          </p:cNvSpPr>
+          <p:nvPr>
+            <p:ph type="hdr" sz="quarter"/>
+          </p:nvPr>
+        </p:nvSpPr>
+        <p:spPr>
+          <a:xfrm>
+            <a:off x="0" y="0"/>
+            <a:ext cx="2971800" cy="457200"/>
+          </a:xfrm>
+          <a:prstGeom prst="rect">
+            <a:avLst/>
+          </a:prstGeom>
+        </p:spPr>
+        <p:txBody>
+          <a:bodyPr vert="horz" lIns="91440" tIns="45720" rIns="91440" bIns="45720" rtlCol="0"/>
+          <a:lstStyle>
+            <a:lvl1pPr algn="l">
+              <a:defRPr sz="1200"/>
+            </a:lvl1pPr>
+          </a:lstStyle>
+          <a:p>
+            <a:endParaRPr kumimoji="1" lang="ja-JP" altLang="en-US"/>
+          </a:p>
+        </p:txBody>
+      </p:sp>
+      <p:sp>
+        <p:nvSpPr>
+          <p:cNvPr id="3" name="日付プレースホルダー 2"/>
+          <p:cNvSpPr>
+            <a:spLocks noGrp="1"/>
+          </p:cNvSpPr>
+          <p:nvPr>
+            <p:ph type="dt" idx="1"/>
+          </p:nvPr>
+        </p:nvSpPr>
+        <p:spPr>
+          <a:xfrm>
+            <a:off x="3884613" y="0"/>
+            <a:ext cx="2971800" cy="457200"/>
+          </a:xfrm>
+          <a:prstGeom prst="rect">
+            <a:avLst/>
+          </a:prstGeom>
+        </p:spPr>
+        <p:txBody>
+          <a:bodyPr vert="horz" lIns="91440" tIns="45720" rIns="91440" bIns="45720" rtlCol="0"/>
+          <a:lstStyle>
+            <a:lvl1pPr algn="r">
+              <a:defRPr sz="1200"/>
+            </a:lvl1pPr>
+          </a:lstStyle>
+          <a:p>
+            <a:fld id="{188E0768-820A-AC4A-829E-56F2DBC22442}" type="datetimeFigureOut">
+              <a:rPr kumimoji="1" lang="ja-JP" altLang="en-US" smtClean="0"/>
+              <a:t>2017/02/04</a:t>
+            </a:fld>
+            <a:endParaRPr kumimoji="1" lang="ja-JP" altLang="en-US"/>
+          </a:p>
+        </p:txBody>
+      </p:sp>
+      <p:sp>
+        <p:nvSpPr>
+          <p:cNvPr id="4" name="スライド イメージ プレースホルダー 3"/>
+          <p:cNvSpPr>
+            <a:spLocks noGrp="1" noRot="1" noChangeAspect="1"/>
+          </p:cNvSpPr>
+          <p:nvPr>
+            <p:ph type="sldImg" idx="2"/>
+          </p:nvPr>
+        </p:nvSpPr>
+        <p:spPr>
+          <a:xfrm>
+            <a:off x="1143000" y="685800"/>
+            <a:ext cx="4572000" cy="3429000"/>
+          </a:xfrm>
+          <a:prstGeom prst="rect">
+            <a:avLst/>
+          </a:prstGeom>
+          <a:noFill/>
+          <a:ln w="12700">
+            <a:solidFill>
+              <a:prstClr val="black"/>
+            </a:solidFill>
+          </a:ln>
+        </p:spPr>
+        <p:txBody>
+          <a:bodyPr vert="horz" lIns="91440" tIns="45720" rIns="91440" bIns="45720" rtlCol="0" anchor="ctr"/>
+          <a:lstStyle/>
+          <a:p>
+            <a:endParaRPr lang="ja-JP" altLang="en-US"/>
+          </a:p>
+        </p:txBody>
+      </p:sp>
+      <p:sp>
+        <p:nvSpPr>
+          <p:cNvPr id="5" name="ノート プレースホルダー 4"/>
+          <p:cNvSpPr>
+            <a:spLocks noGrp="1"/>
+          </p:cNvSpPr>
+          <p:nvPr>
+            <p:ph type="body" sz="quarter" idx="3"/>
+          </p:nvPr>
+        </p:nvSpPr>
+        <p:spPr>
+          <a:xfrm>
+            <a:off x="685800" y="4343400"/>
+            <a:ext cx="5486400" cy="4114800"/>
+          </a:xfrm>
+          <a:prstGeom prst="rect">
+            <a:avLst/>
+          </a:prstGeom>
+        </p:spPr>
+        <p:txBody>
+          <a:bodyPr vert="horz" lIns="91440" tIns="45720" rIns="91440" bIns="45720" rtlCol="0"/>
+          <a:lstStyle/>
+          <a:p>
+            <a:pPr lvl="0"/>
+            <a:r>
+              <a:rPr kumimoji="1" lang="ja-JP" altLang="en-US" smtClean="0"/>
+              <a:t>マスター テキストの書式設定</a:t>
+            </a:r>
+          </a:p>
+          <a:p>
+            <a:pPr lvl="1"/>
+            <a:r>
+              <a:rPr kumimoji="1" lang="ja-JP" altLang="en-US" smtClean="0"/>
+              <a:t>第 </a:t>
+            </a:r>
+            <a:r>
+              <a:rPr kumimoji="1" lang="en-US" altLang="ja-JP" smtClean="0"/>
+              <a:t>2 </a:t>
+            </a:r>
+            <a:r>
+              <a:rPr kumimoji="1" lang="ja-JP" altLang="en-US" smtClean="0"/>
+              <a:t>レベル</a:t>
+            </a:r>
+          </a:p>
+          <a:p>
+            <a:pPr lvl="2"/>
+            <a:r>
+              <a:rPr kumimoji="1" lang="ja-JP" altLang="en-US" smtClean="0"/>
+              <a:t>第 </a:t>
+            </a:r>
+            <a:r>
+              <a:rPr kumimoji="1" lang="en-US" altLang="ja-JP" smtClean="0"/>
+              <a:t>3 </a:t>
+            </a:r>
+            <a:r>
+              <a:rPr kumimoji="1" lang="ja-JP" altLang="en-US" smtClean="0"/>
+              <a:t>レベル</a:t>
+            </a:r>
+          </a:p>
+          <a:p>
+            <a:pPr lvl="3"/>
+            <a:r>
+              <a:rPr kumimoji="1" lang="ja-JP" altLang="en-US" smtClean="0"/>
+              <a:t>第 </a:t>
+            </a:r>
+            <a:r>
+              <a:rPr kumimoji="1" lang="en-US" altLang="ja-JP" smtClean="0"/>
+              <a:t>4 </a:t>
+            </a:r>
+            <a:r>
+              <a:rPr kumimoji="1" lang="ja-JP" altLang="en-US" smtClean="0"/>
+              <a:t>レベル</a:t>
+            </a:r>
+          </a:p>
+          <a:p>
+            <a:pPr lvl="4"/>
+            <a:r>
+              <a:rPr kumimoji="1" lang="ja-JP" altLang="en-US" smtClean="0"/>
+              <a:t>第 </a:t>
+            </a:r>
+            <a:r>
+              <a:rPr kumimoji="1" lang="en-US" altLang="ja-JP" smtClean="0"/>
+              <a:t>5 </a:t>
+            </a:r>
+            <a:r>
+              <a:rPr kumimoji="1" lang="ja-JP" altLang="en-US" smtClean="0"/>
+              <a:t>レベル</a:t>
+            </a:r>
+            <a:endParaRPr kumimoji="1" lang="ja-JP" altLang="en-US"/>
+          </a:p>
+        </p:txBody>
+      </p:sp>
+      <p:sp>
+        <p:nvSpPr>
+          <p:cNvPr id="6" name="フッター プレースホルダー 5"/>
+          <p:cNvSpPr>
+            <a:spLocks noGrp="1"/>
+          </p:cNvSpPr>
+          <p:nvPr>
+            <p:ph type="ftr" sz="quarter" idx="4"/>
+          </p:nvPr>
+        </p:nvSpPr>
+        <p:spPr>
+          <a:xfrm>
+            <a:off x="0" y="8685213"/>
+            <a:ext cx="2971800" cy="457200"/>
+          </a:xfrm>
+          <a:prstGeom prst="rect">
+            <a:avLst/>
+          </a:prstGeom>
+        </p:spPr>
+        <p:txBody>
+          <a:bodyPr vert="horz" lIns="91440" tIns="45720" rIns="91440" bIns="45720" rtlCol="0" anchor="b"/>
+          <a:lstStyle>
+            <a:lvl1pPr algn="l">
+              <a:defRPr sz="1200"/>
+            </a:lvl1pPr>
+          </a:lstStyle>
+          <a:p>
+            <a:endParaRPr kumimoji="1" lang="ja-JP" altLang="en-US"/>
+          </a:p>
+        </p:txBody>
+      </p:sp>
+      <p:sp>
+        <p:nvSpPr>
+          <p:cNvPr id="7" name="スライド番号プレースホルダー 6"/>
+          <p:cNvSpPr>
+            <a:spLocks noGrp="1"/>
+          </p:cNvSpPr>
+          <p:nvPr>
+            <p:ph type="sldNum" sz="quarter" idx="5"/>
+          </p:nvPr>
+        </p:nvSpPr>
+        <p:spPr>
+          <a:xfrm>
+            <a:off x="3884613" y="8685213"/>
+            <a:ext cx="2971800" cy="457200"/>
+          </a:xfrm>
+          <a:prstGeom prst="rect">
+            <a:avLst/>
+          </a:prstGeom>
+        </p:spPr>
+        <p:txBody>
+          <a:bodyPr vert="horz" lIns="91440" tIns="45720" rIns="91440" bIns="45720" rtlCol="0" anchor="b"/>
+          <a:lstStyle>
+            <a:lvl1pPr algn="r">
+              <a:defRPr sz="1200"/>
+            </a:lvl1pPr>
+          </a:lstStyle>
+          <a:p>
+            <a:fld id="{1876112E-DC85-B947-9A43-9B5FD94FF1A4}" type="slidenum">
+              <a:rPr kumimoji="1" lang="ja-JP" altLang="en-US" smtClean="0"/>
+              <a:t>‹#›</a:t>
+            </a:fld>
+            <a:endParaRPr kumimoji="1" lang="ja-JP" altLang="en-US"/>
+          </a:p>
+        </p:txBody>
+      </p:sp>
+    </p:spTree>
+    <p:extLst>
+      <p:ext uri="{BB962C8B-B14F-4D97-AF65-F5344CB8AC3E}">
+        <p14:creationId xmlns:p14="http://schemas.microsoft.com/office/powerpoint/2010/main" val="198115993"/>
+      </p:ext>
+    </p:extLst>
+  </p:cSld>
+  <p:clrMap bg1="lt1" tx1="dk1" bg2="lt2" tx2="dk2" accent1="accent1" accent2="accent2" accent3="accent3" accent4="accent4" accent5="accent5" accent6="accent6" hlink="hlink" folHlink="folHlink"/>
+  <p:hf hdr="0" ftr="0" dt="0"/>
+  <p:notesStyle>
+    <a:lvl1pPr marL="0" algn="l" defTabSz="457200" rtl="0" eaLnBrk="1" latinLnBrk="0" hangingPunct="1">
+      <a:defRPr kumimoji="1" sz="1200" kern="1200">
+        <a:solidFill>
+          <a:schemeClr val="tx1"/>
+        </a:solidFill>
+        <a:latin typeface="+mn-lt"/>
+        <a:ea typeface="+mn-ea"/>
+        <a:cs typeface="+mn-cs"/>
+      </a:defRPr>
+    </a:lvl1pPr>
+    <a:lvl2pPr marL="457200" algn="l" defTabSz="457200" rtl="0" eaLnBrk="1" latinLnBrk="0" hangingPunct="1">
+      <a:defRPr kumimoji="1" sz="1200" kern="1200">
+        <a:solidFill>
+          <a:schemeClr val="tx1"/>
+        </a:solidFill>
+        <a:latin typeface="+mn-lt"/>
+        <a:ea typeface="+mn-ea"/>
+        <a:cs typeface="+mn-cs"/>
+      </a:defRPr>
+    </a:lvl2pPr>
+    <a:lvl3pPr marL="914400" algn="l" defTabSz="457200" rtl="0" eaLnBrk="1" latinLnBrk="0" hangingPunct="1">
+      <a:defRPr kumimoji="1" sz="1200" kern="1200">
+        <a:solidFill>
+          <a:schemeClr val="tx1"/>
+        </a:solidFill>
+        <a:latin typeface="+mn-lt"/>
+        <a:ea typeface="+mn-ea"/>
+        <a:cs typeface="+mn-cs"/>
+      </a:defRPr>
+    </a:lvl3pPr>
+    <a:lvl4pPr marL="1371600" algn="l" defTabSz="457200" rtl="0" eaLnBrk="1" latinLnBrk="0" hangingPunct="1">
+      <a:defRPr kumimoji="1" sz="1200" kern="1200">
+        <a:solidFill>
+          <a:schemeClr val="tx1"/>
+        </a:solidFill>
+        <a:latin typeface="+mn-lt"/>
+        <a:ea typeface="+mn-ea"/>
+        <a:cs typeface="+mn-cs"/>
+      </a:defRPr>
+    </a:lvl4pPr>
+    <a:lvl5pPr marL="1828800" algn="l" defTabSz="457200" rtl="0" eaLnBrk="1" latinLnBrk="0" hangingPunct="1">
+      <a:defRPr kumimoji="1" sz="1200" kern="1200">
+        <a:solidFill>
+          <a:schemeClr val="tx1"/>
+        </a:solidFill>
+        <a:latin typeface="+mn-lt"/>
+        <a:ea typeface="+mn-ea"/>
+        <a:cs typeface="+mn-cs"/>
+      </a:defRPr>
+    </a:lvl5pPr>
+    <a:lvl6pPr marL="2286000" algn="l" defTabSz="457200" rtl="0" eaLnBrk="1" latinLnBrk="0" hangingPunct="1">
+      <a:defRPr kumimoji="1" sz="1200" kern="1200">
+        <a:solidFill>
+          <a:schemeClr val="tx1"/>
+        </a:solidFill>
+        <a:latin typeface="+mn-lt"/>
+        <a:ea typeface="+mn-ea"/>
+        <a:cs typeface="+mn-cs"/>
+      </a:defRPr>
+    </a:lvl6pPr>
+    <a:lvl7pPr marL="2743200" algn="l" defTabSz="457200" rtl="0" eaLnBrk="1" latinLnBrk="0" hangingPunct="1">
+      <a:defRPr kumimoji="1" sz="1200" kern="1200">
+        <a:solidFill>
+          <a:schemeClr val="tx1"/>
+        </a:solidFill>
+        <a:latin typeface="+mn-lt"/>
+        <a:ea typeface="+mn-ea"/>
+        <a:cs typeface="+mn-cs"/>
+      </a:defRPr>
+    </a:lvl7pPr>
+    <a:lvl8pPr marL="3200400" algn="l" defTabSz="457200" rtl="0" eaLnBrk="1" latinLnBrk="0" hangingPunct="1">
+      <a:defRPr kumimoji="1" sz="1200" kern="1200">
+        <a:solidFill>
+          <a:schemeClr val="tx1"/>
+        </a:solidFill>
+        <a:latin typeface="+mn-lt"/>
+        <a:ea typeface="+mn-ea"/>
+        <a:cs typeface="+mn-cs"/>
+      </a:defRPr>
+    </a:lvl8pPr>
+    <a:lvl9pPr marL="3657600" algn="l" defTabSz="457200" rtl="0" eaLnBrk="1" latinLnBrk="0" hangingPunct="1">
+      <a:defRPr kumimoji="1" sz="1200" kern="1200">
+        <a:solidFill>
+          <a:schemeClr val="tx1"/>
+        </a:solidFill>
+        <a:latin typeface="+mn-lt"/>
+        <a:ea typeface="+mn-ea"/>
+        <a:cs typeface="+mn-cs"/>
+      </a:defRPr>
+    </a:lvl9pPr>
+  </p:notesStyle>
+</p:notesMaster>
+</file>
+
 <file path=ppt/slideLayouts/slideLayout1.xml><?xml version="1.0" encoding="utf-8"?>
 <p:sldLayout xmlns:a="http://schemas.openxmlformats.org/drawingml/2006/main" xmlns:r="http://schemas.openxmlformats.org/officeDocument/2006/relationships" xmlns:p="http://schemas.openxmlformats.org/presentationml/2006/main" type="title" preserve="1">
   <p:cSld name="Title Slide">
@@ -151,10 +706,10 @@
           <a:lstStyle/>
           <a:p>
             <a:r>
-              <a:rPr lang="en-US" smtClean="0"/>
+              <a:rPr lang="en-US" dirty="0" smtClean="0"/>
               <a:t>Click to edit Master title style</a:t>
             </a:r>
-            <a:endParaRPr lang="en-US"/>
+            <a:endParaRPr lang="en-US" dirty="0"/>
           </a:p>
         </p:txBody>
       </p:sp>
@@ -292,11 +847,14 @@
           <a:bodyPr/>
           <a:lstStyle/>
           <a:p>
-            <a:fld id="{8ACDB3CC-F982-40F9-8DD6-BCC9AFBF44BD}" type="datetime1">
-              <a:rPr lang="en-US" smtClean="0"/>
-              <a:pPr/>
-              <a:t>2017/02/01</a:t>
-            </a:fld>
+            <a:r>
+              <a:rPr lang="en-US" altLang="ja-JP" smtClean="0"/>
+              <a:t>2017/02/16 </a:t>
+            </a:r>
+            <a:r>
+              <a:rPr lang="ja-JP" altLang="en-US" smtClean="0"/>
+              <a:t>卒論発表</a:t>
+            </a:r>
             <a:endParaRPr lang="en-US" dirty="0"/>
           </a:p>
         </p:txBody>
@@ -463,10 +1021,14 @@
           <a:bodyPr/>
           <a:lstStyle/>
           <a:p>
-            <a:fld id="{68C2560D-EC28-3B41-86E8-18F1CE0113B4}" type="datetimeFigureOut">
-              <a:rPr lang="en-US" smtClean="0"/>
-              <a:t>2017/02/01</a:t>
-            </a:fld>
+            <a:r>
+              <a:rPr lang="en-US" altLang="ja-JP" smtClean="0"/>
+              <a:t>2017/02/16 </a:t>
+            </a:r>
+            <a:r>
+              <a:rPr lang="ja-JP" altLang="en-US" smtClean="0"/>
+              <a:t>卒論発表</a:t>
+            </a:r>
             <a:endParaRPr lang="en-US"/>
           </a:p>
         </p:txBody>
@@ -643,10 +1205,14 @@
           <a:bodyPr/>
           <a:lstStyle/>
           <a:p>
-            <a:fld id="{68C2560D-EC28-3B41-86E8-18F1CE0113B4}" type="datetimeFigureOut">
-              <a:rPr lang="en-US" smtClean="0"/>
-              <a:t>2017/02/01</a:t>
-            </a:fld>
+            <a:r>
+              <a:rPr lang="en-US" altLang="ja-JP" smtClean="0"/>
+              <a:t>2017/02/16 </a:t>
+            </a:r>
+            <a:r>
+              <a:rPr lang="ja-JP" altLang="en-US" smtClean="0"/>
+              <a:t>卒論発表</a:t>
+            </a:r>
             <a:endParaRPr lang="en-US"/>
           </a:p>
         </p:txBody>
@@ -813,10 +1379,14 @@
           <a:bodyPr/>
           <a:lstStyle/>
           <a:p>
-            <a:fld id="{68C2560D-EC28-3B41-86E8-18F1CE0113B4}" type="datetimeFigureOut">
-              <a:rPr lang="en-US" smtClean="0"/>
-              <a:t>2017/02/01</a:t>
-            </a:fld>
+            <a:r>
+              <a:rPr lang="en-US" altLang="ja-JP" smtClean="0"/>
+              <a:t>2017/02/16 </a:t>
+            </a:r>
+            <a:r>
+              <a:rPr lang="ja-JP" altLang="en-US" smtClean="0"/>
+              <a:t>卒論発表</a:t>
+            </a:r>
             <a:endParaRPr lang="en-US"/>
           </a:p>
         </p:txBody>
@@ -1059,11 +1629,14 @@
           <a:bodyPr/>
           <a:lstStyle/>
           <a:p>
-            <a:fld id="{4A9E7B99-7C3F-4BC3-B7B8-7E1F8C620B24}" type="datetime1">
-              <a:rPr lang="en-US" smtClean="0"/>
-              <a:pPr/>
-              <a:t>2017/02/01</a:t>
-            </a:fld>
+            <a:r>
+              <a:rPr lang="en-US" altLang="ja-JP" smtClean="0"/>
+              <a:t>2017/02/16 </a:t>
+            </a:r>
+            <a:r>
+              <a:rPr lang="ja-JP" altLang="en-US" smtClean="0"/>
+              <a:t>卒論発表</a:t>
+            </a:r>
             <a:endParaRPr lang="en-US"/>
           </a:p>
         </p:txBody>
@@ -1349,10 +1922,14 @@
           <a:bodyPr/>
           <a:lstStyle/>
           <a:p>
-            <a:fld id="{68C2560D-EC28-3B41-86E8-18F1CE0113B4}" type="datetimeFigureOut">
-              <a:rPr lang="en-US" smtClean="0"/>
-              <a:t>2017/02/01</a:t>
-            </a:fld>
+            <a:r>
+              <a:rPr lang="en-US" altLang="ja-JP" smtClean="0"/>
+              <a:t>2017/02/16 </a:t>
+            </a:r>
+            <a:r>
+              <a:rPr lang="ja-JP" altLang="en-US" smtClean="0"/>
+              <a:t>卒論発表</a:t>
+            </a:r>
             <a:endParaRPr lang="en-US"/>
           </a:p>
         </p:txBody>
@@ -1771,10 +2348,14 @@
           <a:bodyPr/>
           <a:lstStyle/>
           <a:p>
-            <a:fld id="{68C2560D-EC28-3B41-86E8-18F1CE0113B4}" type="datetimeFigureOut">
-              <a:rPr lang="en-US" smtClean="0"/>
-              <a:t>2017/02/01</a:t>
-            </a:fld>
+            <a:r>
+              <a:rPr lang="en-US" altLang="ja-JP" smtClean="0"/>
+              <a:t>2017/02/16 </a:t>
+            </a:r>
+            <a:r>
+              <a:rPr lang="ja-JP" altLang="en-US" smtClean="0"/>
+              <a:t>卒論発表</a:t>
+            </a:r>
             <a:endParaRPr lang="en-US"/>
           </a:p>
         </p:txBody>
@@ -1889,10 +2470,14 @@
           <a:bodyPr/>
           <a:lstStyle/>
           <a:p>
-            <a:fld id="{68C2560D-EC28-3B41-86E8-18F1CE0113B4}" type="datetimeFigureOut">
-              <a:rPr lang="en-US" smtClean="0"/>
-              <a:t>2017/02/01</a:t>
-            </a:fld>
+            <a:r>
+              <a:rPr lang="en-US" altLang="ja-JP" smtClean="0"/>
+              <a:t>2017/02/16 </a:t>
+            </a:r>
+            <a:r>
+              <a:rPr lang="ja-JP" altLang="en-US" smtClean="0"/>
+              <a:t>卒論発表</a:t>
+            </a:r>
             <a:endParaRPr lang="en-US"/>
           </a:p>
         </p:txBody>
@@ -1984,10 +2569,14 @@
           <a:bodyPr/>
           <a:lstStyle/>
           <a:p>
-            <a:fld id="{68C2560D-EC28-3B41-86E8-18F1CE0113B4}" type="datetimeFigureOut">
-              <a:rPr lang="en-US" smtClean="0"/>
-              <a:t>2017/02/01</a:t>
-            </a:fld>
+            <a:r>
+              <a:rPr lang="en-US" altLang="ja-JP" smtClean="0"/>
+              <a:t>2017/02/16 </a:t>
+            </a:r>
+            <a:r>
+              <a:rPr lang="ja-JP" altLang="en-US" smtClean="0"/>
+              <a:t>卒論発表</a:t>
+            </a:r>
             <a:endParaRPr lang="en-US"/>
           </a:p>
         </p:txBody>
@@ -2261,10 +2850,14 @@
           <a:bodyPr/>
           <a:lstStyle/>
           <a:p>
-            <a:fld id="{68C2560D-EC28-3B41-86E8-18F1CE0113B4}" type="datetimeFigureOut">
-              <a:rPr lang="en-US" smtClean="0"/>
-              <a:t>2017/02/01</a:t>
-            </a:fld>
+            <a:r>
+              <a:rPr lang="en-US" altLang="ja-JP" smtClean="0"/>
+              <a:t>2017/02/16 </a:t>
+            </a:r>
+            <a:r>
+              <a:rPr lang="ja-JP" altLang="en-US" smtClean="0"/>
+              <a:t>卒論発表</a:t>
+            </a:r>
             <a:endParaRPr lang="en-US"/>
           </a:p>
         </p:txBody>
@@ -2521,10 +3114,14 @@
           <a:bodyPr/>
           <a:lstStyle/>
           <a:p>
-            <a:fld id="{68C2560D-EC28-3B41-86E8-18F1CE0113B4}" type="datetimeFigureOut">
-              <a:rPr lang="en-US" smtClean="0"/>
-              <a:t>2017/02/01</a:t>
-            </a:fld>
+            <a:r>
+              <a:rPr lang="en-US" altLang="ja-JP" smtClean="0"/>
+              <a:t>2017/02/16 </a:t>
+            </a:r>
+            <a:r>
+              <a:rPr lang="ja-JP" altLang="en-US" smtClean="0"/>
+              <a:t>卒論発表</a:t>
+            </a:r>
             <a:endParaRPr lang="en-US"/>
           </a:p>
         </p:txBody>
@@ -2608,18 +3205,120 @@
       </p:grpSpPr>
       <p:sp>
         <p:nvSpPr>
-          <p:cNvPr id="2" name="Title Placeholder 1"/>
-          <p:cNvSpPr>
-            <a:spLocks noGrp="1"/>
-          </p:cNvSpPr>
-          <p:nvPr>
-            <p:ph type="title"/>
-          </p:nvPr>
+          <p:cNvPr id="8" name="正方形/長方形 7"/>
+          <p:cNvSpPr/>
+          <p:nvPr userDrawn="1"/>
         </p:nvSpPr>
         <p:spPr>
           <a:xfrm>
-            <a:off x="457200" y="274638"/>
-            <a:ext cx="8229600" cy="1143000"/>
+            <a:off x="3549" y="6586984"/>
+            <a:ext cx="9144000" cy="271016"/>
+          </a:xfrm>
+          <a:prstGeom prst="rect">
+            <a:avLst/>
+          </a:prstGeom>
+          <a:solidFill>
+            <a:schemeClr val="accent5">
+              <a:lumMod val="75000"/>
+            </a:schemeClr>
+          </a:solidFill>
+          <a:ln>
+            <a:solidFill>
+              <a:schemeClr val="accent5">
+                <a:lumMod val="75000"/>
+              </a:schemeClr>
+            </a:solidFill>
+          </a:ln>
+          <a:effectLst/>
+        </p:spPr>
+        <p:style>
+          <a:lnRef idx="1">
+            <a:schemeClr val="accent1"/>
+          </a:lnRef>
+          <a:fillRef idx="3">
+            <a:schemeClr val="accent1"/>
+          </a:fillRef>
+          <a:effectRef idx="2">
+            <a:schemeClr val="accent1"/>
+          </a:effectRef>
+          <a:fontRef idx="minor">
+            <a:schemeClr val="lt1"/>
+          </a:fontRef>
+        </p:style>
+        <p:txBody>
+          <a:bodyPr rtlCol="0" anchor="ctr"/>
+          <a:lstStyle/>
+          <a:p>
+            <a:pPr algn="ctr"/>
+            <a:endParaRPr kumimoji="1" lang="ja-JP" altLang="en-US" dirty="0"/>
+          </a:p>
+        </p:txBody>
+      </p:sp>
+      <p:sp>
+        <p:nvSpPr>
+          <p:cNvPr id="7" name="正方形/長方形 6"/>
+          <p:cNvSpPr/>
+          <p:nvPr userDrawn="1"/>
+        </p:nvSpPr>
+        <p:spPr>
+          <a:xfrm>
+            <a:off x="0" y="0"/>
+            <a:ext cx="9144000" cy="877576"/>
+          </a:xfrm>
+          <a:prstGeom prst="rect">
+            <a:avLst/>
+          </a:prstGeom>
+          <a:solidFill>
+            <a:schemeClr val="accent5">
+              <a:lumMod val="75000"/>
+            </a:schemeClr>
+          </a:solidFill>
+          <a:ln>
+            <a:solidFill>
+              <a:schemeClr val="accent5">
+                <a:lumMod val="75000"/>
+              </a:schemeClr>
+            </a:solidFill>
+          </a:ln>
+          <a:effectLst/>
+        </p:spPr>
+        <p:style>
+          <a:lnRef idx="1">
+            <a:schemeClr val="accent1"/>
+          </a:lnRef>
+          <a:fillRef idx="3">
+            <a:schemeClr val="accent1"/>
+          </a:fillRef>
+          <a:effectRef idx="2">
+            <a:schemeClr val="accent1"/>
+          </a:effectRef>
+          <a:fontRef idx="minor">
+            <a:schemeClr val="lt1"/>
+          </a:fontRef>
+        </p:style>
+        <p:txBody>
+          <a:bodyPr rtlCol="0" anchor="ctr"/>
+          <a:lstStyle/>
+          <a:p>
+            <a:pPr algn="ctr"/>
+            <a:endParaRPr kumimoji="1" lang="ja-JP" altLang="en-US" dirty="0"/>
+          </a:p>
+        </p:txBody>
+      </p:sp>
+      <p:sp>
+        <p:nvSpPr>
+          <p:cNvPr id="2" name="Title Placeholder 1"/>
+          <p:cNvSpPr>
+            <a:spLocks noGrp="1"/>
+          </p:cNvSpPr>
+          <p:nvPr>
+            <p:ph type="title"/>
+          </p:nvPr>
+        </p:nvSpPr>
+        <p:spPr>
+          <a:xfrm>
+            <a:off x="457200" y="0"/>
+            <a:ext cx="8229600" cy="877576"/>
           </a:xfrm>
           <a:prstGeom prst="rect">
             <a:avLst/>
@@ -2632,10 +3331,10 @@
           <a:lstStyle/>
           <a:p>
             <a:r>
-              <a:rPr lang="en-US" smtClean="0"/>
+              <a:rPr lang="en-US" dirty="0" smtClean="0"/>
               <a:t>Click to edit Master title style</a:t>
             </a:r>
-            <a:endParaRPr lang="en-US"/>
+            <a:endParaRPr lang="en-US" dirty="0"/>
           </a:p>
         </p:txBody>
       </p:sp>
@@ -2651,8 +3350,8 @@
         </p:nvSpPr>
         <p:spPr>
           <a:xfrm>
-            <a:off x="457200" y="1600200"/>
-            <a:ext cx="8229600" cy="4525963"/>
+            <a:off x="457200" y="1187309"/>
+            <a:ext cx="8229600" cy="5244807"/>
           </a:xfrm>
           <a:prstGeom prst="rect">
             <a:avLst/>
@@ -2666,38 +3365,38 @@
           <a:p>
             <a:pPr lvl="0"/>
             <a:r>
-              <a:rPr lang="en-US" smtClean="0"/>
+              <a:rPr lang="en-US" dirty="0" smtClean="0"/>
               <a:t>Click to edit Master text styles</a:t>
             </a:r>
           </a:p>
           <a:p>
             <a:pPr lvl="1"/>
             <a:r>
-              <a:rPr lang="en-US" smtClean="0"/>
+              <a:rPr lang="en-US" dirty="0" smtClean="0"/>
               <a:t>Second level</a:t>
             </a:r>
           </a:p>
           <a:p>
             <a:pPr lvl="2"/>
             <a:r>
-              <a:rPr lang="en-US" smtClean="0"/>
+              <a:rPr lang="en-US" dirty="0" smtClean="0"/>
               <a:t>Third level</a:t>
             </a:r>
           </a:p>
           <a:p>
             <a:pPr lvl="3"/>
             <a:r>
-              <a:rPr lang="en-US" smtClean="0"/>
+              <a:rPr lang="en-US" dirty="0" smtClean="0"/>
               <a:t>Fourth level</a:t>
             </a:r>
           </a:p>
           <a:p>
             <a:pPr lvl="4"/>
             <a:r>
-              <a:rPr lang="en-US" smtClean="0"/>
+              <a:rPr lang="en-US" dirty="0" smtClean="0"/>
               <a:t>Fifth level</a:t>
             </a:r>
-            <a:endParaRPr lang="en-US"/>
+            <a:endParaRPr lang="en-US" dirty="0"/>
           </a:p>
         </p:txBody>
       </p:sp>
@@ -2713,8 +3412,8 @@
         </p:nvSpPr>
         <p:spPr>
           <a:xfrm>
-            <a:off x="457200" y="6356350"/>
-            <a:ext cx="2133600" cy="365125"/>
+            <a:off x="457200" y="6586984"/>
+            <a:ext cx="2133600" cy="271016"/>
           </a:xfrm>
           <a:prstGeom prst="rect">
             <a:avLst/>
@@ -2726,19 +3425,23 @@
             <a:lvl1pPr algn="l">
               <a:defRPr sz="1200">
                 <a:solidFill>
-                  <a:schemeClr val="tx1">
-                    <a:tint val="75000"/>
-                  </a:schemeClr>
+                  <a:srgbClr val="FFFFFF"/>
                 </a:solidFill>
+                <a:latin typeface="+mn-ea"/>
+                <a:ea typeface="+mn-ea"/>
               </a:defRPr>
             </a:lvl1pPr>
           </a:lstStyle>
           <a:p>
-            <a:fld id="{68C2560D-EC28-3B41-86E8-18F1CE0113B4}" type="datetimeFigureOut">
-              <a:rPr lang="en-US" smtClean="0"/>
-              <a:t>2017/02/01</a:t>
-            </a:fld>
-            <a:endParaRPr lang="en-US"/>
+            <a:r>
+              <a:rPr lang="en-US" altLang="ja-JP" dirty="0" smtClean="0"/>
+              <a:t>2017/02/16 </a:t>
+            </a:r>
+            <a:r>
+              <a:rPr lang="ja-JP" altLang="en-US" dirty="0" smtClean="0"/>
+              <a:t>卒論発表</a:t>
+            </a:r>
+            <a:endParaRPr lang="en-US" dirty="0"/>
           </a:p>
         </p:txBody>
       </p:sp>
@@ -2754,8 +3457,8 @@
         </p:nvSpPr>
         <p:spPr>
           <a:xfrm>
-            <a:off x="3124200" y="6356350"/>
-            <a:ext cx="2895600" cy="365125"/>
+            <a:off x="3124200" y="6586984"/>
+            <a:ext cx="2895600" cy="267520"/>
           </a:xfrm>
           <a:prstGeom prst="rect">
             <a:avLst/>
@@ -2775,7 +3478,7 @@
             </a:lvl1pPr>
           </a:lstStyle>
           <a:p>
-            <a:endParaRPr lang="en-US"/>
+            <a:endParaRPr lang="en-US" dirty="0"/>
           </a:p>
         </p:txBody>
       </p:sp>
@@ -2791,8 +3494,8 @@
         </p:nvSpPr>
         <p:spPr>
           <a:xfrm>
-            <a:off x="6553200" y="6356350"/>
-            <a:ext cx="2133600" cy="365125"/>
+            <a:off x="6553200" y="6586984"/>
+            <a:ext cx="2133600" cy="271016"/>
           </a:xfrm>
           <a:prstGeom prst="rect">
             <a:avLst/>
@@ -2804,19 +3507,21 @@
             <a:lvl1pPr algn="r">
               <a:defRPr sz="1200">
                 <a:solidFill>
-                  <a:schemeClr val="tx1">
-                    <a:tint val="75000"/>
-                  </a:schemeClr>
+                  <a:schemeClr val="bg1"/>
                 </a:solidFill>
+                <a:latin typeface="+mn-ea"/>
+                <a:ea typeface="+mn-ea"/>
+                <a:cs typeface="ヒラギノ角ゴ Pro W3"/>
               </a:defRPr>
             </a:lvl1pPr>
           </a:lstStyle>
           <a:p>
             <a:fld id="{2066355A-084C-D24E-9AD2-7E4FC41EA627}" type="slidenum">
               <a:rPr lang="en-US" smtClean="0"/>
+              <a:pPr/>
               <a:t>‹#›</a:t>
             </a:fld>
-            <a:endParaRPr lang="en-US"/>
+            <a:endParaRPr lang="en-US" dirty="0"/>
           </a:p>
         </p:txBody>
       </p:sp>
@@ -2841,6 +3546,7 @@
     <p:sldLayoutId id="2147493465" r:id="rId10"/>
     <p:sldLayoutId id="2147493466" r:id="rId11"/>
   </p:sldLayoutIdLst>
+  <p:hf hdr="0" ftr="0"/>
   <p:txStyles>
     <p:titleStyle>
       <a:lvl1pPr algn="ctr" defTabSz="457200" rtl="0" eaLnBrk="1" latinLnBrk="0" hangingPunct="1">
@@ -2848,11 +3554,15 @@
           <a:spcPct val="0"/>
         </a:spcBef>
         <a:buNone/>
-        <a:defRPr sz="4400" kern="1200">
+        <a:defRPr sz="4800" b="1" i="0" u="none" kern="1200">
+          <a:ln>
+            <a:noFill/>
+          </a:ln>
           <a:solidFill>
-            <a:schemeClr val="tx1"/>
+            <a:schemeClr val="bg1"/>
           </a:solidFill>
-          <a:latin typeface="+mj-lt"/>
+          <a:effectLst/>
+          <a:latin typeface="+mj-ea"/>
           <a:ea typeface="+mj-ea"/>
           <a:cs typeface="+mj-cs"/>
         </a:defRPr>
@@ -3123,25 +3833,62 @@
         </p:nvSpPr>
         <p:spPr/>
         <p:txBody>
-          <a:bodyPr/>
-          <a:lstStyle/>
-          <a:p>
-            <a:r>
-              <a:rPr kumimoji="1" lang="ja-JP" altLang="en-US" dirty="0" smtClean="0"/>
+          <a:bodyPr>
+            <a:normAutofit fontScale="90000"/>
+          </a:bodyPr>
+          <a:lstStyle/>
+          <a:p>
+            <a:r>
+              <a:rPr kumimoji="1" lang="ja-JP" altLang="en-US" dirty="0" smtClean="0">
+                <a:ln>
+                  <a:noFill/>
+                </a:ln>
+                <a:solidFill>
+                  <a:schemeClr val="tx1"/>
+                </a:solidFill>
+              </a:rPr>
               <a:t>巨大惑星の移動に伴う</a:t>
             </a:r>
             <a:r>
-              <a:rPr kumimoji="1" lang="en-US" altLang="ja-JP" dirty="0" smtClean="0"/>
+              <a:rPr kumimoji="1" lang="en-US" altLang="ja-JP" dirty="0" smtClean="0">
+                <a:ln>
+                  <a:noFill/>
+                </a:ln>
+                <a:solidFill>
+                  <a:schemeClr val="tx1"/>
+                </a:solidFill>
+              </a:rPr>
               <a:t/>
             </a:r>
             <a:br>
-              <a:rPr kumimoji="1" lang="en-US" altLang="ja-JP" dirty="0" smtClean="0"/>
+              <a:rPr kumimoji="1" lang="en-US" altLang="ja-JP" dirty="0" smtClean="0">
+                <a:ln>
+                  <a:noFill/>
+                </a:ln>
+                <a:solidFill>
+                  <a:schemeClr val="tx1"/>
+                </a:solidFill>
+              </a:rPr>
             </a:br>
             <a:r>
-              <a:rPr kumimoji="1" lang="ja-JP" altLang="en-US" dirty="0" smtClean="0"/>
+              <a:rPr kumimoji="1" lang="ja-JP" altLang="en-US" dirty="0" smtClean="0">
+                <a:ln>
+                  <a:noFill/>
+                </a:ln>
+                <a:solidFill>
+                  <a:schemeClr val="tx1"/>
+                </a:solidFill>
+              </a:rPr>
               <a:t>小天体の力学的進化</a:t>
             </a:r>
-            <a:endParaRPr kumimoji="1" lang="ja-JP" altLang="en-US" dirty="0"/>
+            <a:endParaRPr kumimoji="1" lang="ja-JP" altLang="en-US" dirty="0">
+              <a:ln>
+                <a:noFill/>
+              </a:ln>
+              <a:solidFill>
+                <a:schemeClr val="tx1"/>
+              </a:solidFill>
+            </a:endParaRPr>
           </a:p>
         </p:txBody>
       </p:sp>
@@ -3162,12 +3909,26 @@
           </a:xfrm>
         </p:spPr>
         <p:txBody>
-          <a:bodyPr/>
-          <a:lstStyle/>
-          <a:p>
+          <a:bodyPr>
+            <a:normAutofit/>
+          </a:bodyPr>
+          <a:lstStyle/>
+          <a:p>
+            <a:r>
+              <a:rPr kumimoji="1" lang="ja-JP" altLang="en-US" dirty="0"/>
+              <a:t>共鳴現象から太陽</a:t>
+            </a:r>
             <a:r>
               <a:rPr kumimoji="1" lang="ja-JP" altLang="en-US" dirty="0" smtClean="0"/>
-              <a:t>太陽系の歴史をなんとかかんとか</a:t>
+              <a:t>系</a:t>
+            </a:r>
+            <a:r>
+              <a:rPr kumimoji="1" lang="ja-JP" altLang="en-US" dirty="0" smtClean="0"/>
+              <a:t>の歴史</a:t>
+            </a:r>
+            <a:r>
+              <a:rPr kumimoji="1" lang="ja-JP" altLang="en-US" dirty="0" smtClean="0"/>
+              <a:t>を探る</a:t>
             </a:r>
             <a:endParaRPr kumimoji="1" lang="ja-JP" altLang="en-US" dirty="0"/>
           </a:p>
@@ -3181,8 +3942,8 @@
         </p:nvSpPr>
         <p:spPr>
           <a:xfrm>
-            <a:off x="1541793" y="5104402"/>
-            <a:ext cx="6186309" cy="369332"/>
+            <a:off x="1080129" y="5104402"/>
+            <a:ext cx="7109639" cy="369332"/>
           </a:xfrm>
           <a:prstGeom prst="rect">
             <a:avLst/>
@@ -3198,9 +3959,89 @@
             <a:pPr algn="ctr"/>
             <a:r>
               <a:rPr kumimoji="1" lang="ja-JP" altLang="en-US" dirty="0" smtClean="0"/>
-              <a:t>名古屋大学理学部４年　理論宇宙物理学研究室　磯谷和秀</a:t>
+              <a:t>名古屋大学理</a:t>
+            </a:r>
+            <a:r>
+              <a:rPr kumimoji="1" lang="ja-JP" altLang="en-US" dirty="0" smtClean="0"/>
+              <a:t>学部</a:t>
+            </a:r>
+            <a:r>
+              <a:rPr kumimoji="1" lang="ja-JP" altLang="en-US" dirty="0" smtClean="0"/>
+              <a:t>物理学科</a:t>
+            </a:r>
+            <a:r>
+              <a:rPr kumimoji="1" lang="ja-JP" altLang="en-US" dirty="0" smtClean="0"/>
+              <a:t>４年</a:t>
+            </a:r>
+            <a:r>
+              <a:rPr kumimoji="1" lang="ja-JP" altLang="en-US" dirty="0" smtClean="0"/>
+              <a:t>　理論宇宙物理学研究室　磯谷和秀</a:t>
             </a:r>
             <a:endParaRPr kumimoji="1" lang="en-US" altLang="ja-JP" dirty="0" smtClean="0"/>
+          </a:p>
+        </p:txBody>
+      </p:sp>
+      <p:sp>
+        <p:nvSpPr>
+          <p:cNvPr id="5" name="スライド番号プレースホルダー 4"/>
+          <p:cNvSpPr>
+            <a:spLocks noGrp="1"/>
+          </p:cNvSpPr>
+          <p:nvPr>
+            <p:ph type="sldNum" sz="quarter" idx="12"/>
+          </p:nvPr>
+        </p:nvSpPr>
+        <p:spPr/>
+        <p:txBody>
+          <a:bodyPr/>
+          <a:lstStyle/>
+          <a:p>
+            <a:fld id="{AF88E988-FB04-AB4E-BE5A-59F242AF7F7A}" type="slidenum">
+              <a:rPr lang="en-US" smtClean="0">
+                <a:solidFill>
+                  <a:schemeClr val="bg1"/>
+                </a:solidFill>
+                <a:latin typeface="ヒラギノ角ゴ Pro W3"/>
+                <a:ea typeface="ヒラギノ角ゴ Pro W3"/>
+                <a:cs typeface="ヒラギノ角ゴ Pro W3"/>
+              </a:rPr>
+              <a:t>1</a:t>
+            </a:fld>
+            <a:endParaRPr lang="en-US" dirty="0">
+              <a:solidFill>
+                <a:schemeClr val="bg1"/>
+              </a:solidFill>
+              <a:latin typeface="ヒラギノ角ゴ Pro W3"/>
+              <a:ea typeface="ヒラギノ角ゴ Pro W3"/>
+              <a:cs typeface="ヒラギノ角ゴ Pro W3"/>
+            </a:endParaRPr>
+          </a:p>
+        </p:txBody>
+      </p:sp>
+      <p:sp>
+        <p:nvSpPr>
+          <p:cNvPr id="6" name="日付プレースホルダー 5"/>
+          <p:cNvSpPr>
+            <a:spLocks noGrp="1"/>
+          </p:cNvSpPr>
+          <p:nvPr>
+            <p:ph type="dt" sz="half" idx="10"/>
+          </p:nvPr>
+        </p:nvSpPr>
+        <p:spPr/>
+        <p:txBody>
+          <a:bodyPr/>
+          <a:lstStyle/>
+          <a:p>
+            <a:r>
+              <a:rPr lang="en-US" altLang="ja-JP" dirty="0" smtClean="0"/>
+              <a:t>2017/02/16 </a:t>
+            </a:r>
+            <a:r>
+              <a:rPr lang="ja-JP" altLang="en-US" dirty="0" smtClean="0"/>
+              <a:t>卒論発表</a:t>
+            </a:r>
+            <a:endParaRPr lang="en-US" dirty="0"/>
           </a:p>
         </p:txBody>
       </p:sp>
@@ -3283,6 +4124,56 @@
           </a:p>
         </p:txBody>
       </p:sp>
+      <p:sp>
+        <p:nvSpPr>
+          <p:cNvPr id="4" name="スライド番号プレースホルダー 3"/>
+          <p:cNvSpPr>
+            <a:spLocks noGrp="1"/>
+          </p:cNvSpPr>
+          <p:nvPr>
+            <p:ph type="sldNum" sz="quarter" idx="12"/>
+          </p:nvPr>
+        </p:nvSpPr>
+        <p:spPr/>
+        <p:txBody>
+          <a:bodyPr/>
+          <a:lstStyle/>
+          <a:p>
+            <a:fld id="{2066355A-084C-D24E-9AD2-7E4FC41EA627}" type="slidenum">
+              <a:rPr lang="en-US" smtClean="0"/>
+              <a:t>2</a:t>
+            </a:fld>
+            <a:endParaRPr lang="en-US"/>
+          </a:p>
+        </p:txBody>
+      </p:sp>
+      <p:sp>
+        <p:nvSpPr>
+          <p:cNvPr id="5" name="日付プレースホルダー 4"/>
+          <p:cNvSpPr>
+            <a:spLocks noGrp="1"/>
+          </p:cNvSpPr>
+          <p:nvPr>
+            <p:ph type="dt" sz="half" idx="10"/>
+          </p:nvPr>
+        </p:nvSpPr>
+        <p:spPr/>
+        <p:txBody>
+          <a:bodyPr/>
+          <a:lstStyle/>
+          <a:p>
+            <a:r>
+              <a:rPr lang="en-US" altLang="ja-JP" smtClean="0"/>
+              <a:t>2017/02/16 </a:t>
+            </a:r>
+            <a:r>
+              <a:rPr lang="ja-JP" altLang="en-US" smtClean="0"/>
+              <a:t>卒論発表</a:t>
+            </a:r>
+            <a:endParaRPr lang="en-US"/>
+          </a:p>
+        </p:txBody>
+      </p:sp>
     </p:spTree>
     <p:extLst>
       <p:ext uri="{BB962C8B-B14F-4D97-AF65-F5344CB8AC3E}">
@@ -3350,13 +4241,63 @@
               </a:ext>
             </a:extLst>
           </a:blip>
-          <a:srcRect l="-13834" r="-13834"/>
+          <a:srcRect l="-5085" r="-5085"/>
           <a:stretch>
             <a:fillRect/>
           </a:stretch>
         </p:blipFill>
         <p:spPr/>
       </p:pic>
+      <p:sp>
+        <p:nvSpPr>
+          <p:cNvPr id="3" name="スライド番号プレースホルダー 2"/>
+          <p:cNvSpPr>
+            <a:spLocks noGrp="1"/>
+          </p:cNvSpPr>
+          <p:nvPr>
+            <p:ph type="sldNum" sz="quarter" idx="12"/>
+          </p:nvPr>
+        </p:nvSpPr>
+        <p:spPr/>
+        <p:txBody>
+          <a:bodyPr/>
+          <a:lstStyle/>
+          <a:p>
+            <a:fld id="{2066355A-084C-D24E-9AD2-7E4FC41EA627}" type="slidenum">
+              <a:rPr lang="en-US" smtClean="0"/>
+              <a:t>3</a:t>
+            </a:fld>
+            <a:endParaRPr lang="en-US"/>
+          </a:p>
+        </p:txBody>
+      </p:sp>
+      <p:sp>
+        <p:nvSpPr>
+          <p:cNvPr id="4" name="日付プレースホルダー 3"/>
+          <p:cNvSpPr>
+            <a:spLocks noGrp="1"/>
+          </p:cNvSpPr>
+          <p:nvPr>
+            <p:ph type="dt" sz="half" idx="10"/>
+          </p:nvPr>
+        </p:nvSpPr>
+        <p:spPr/>
+        <p:txBody>
+          <a:bodyPr/>
+          <a:lstStyle/>
+          <a:p>
+            <a:r>
+              <a:rPr lang="en-US" altLang="ja-JP" smtClean="0"/>
+              <a:t>2017/02/16 </a:t>
+            </a:r>
+            <a:r>
+              <a:rPr lang="ja-JP" altLang="en-US" smtClean="0"/>
+              <a:t>卒論発表</a:t>
+            </a:r>
+            <a:endParaRPr lang="en-US"/>
+          </a:p>
+        </p:txBody>
+      </p:sp>
     </p:spTree>
     <p:extLst>
       <p:ext uri="{BB962C8B-B14F-4D97-AF65-F5344CB8AC3E}">
@@ -3541,6 +4482,56 @@
           </p:spPr>
         </p:pic>
       </p:grpSp>
+      <p:sp>
+        <p:nvSpPr>
+          <p:cNvPr id="3" name="スライド番号プレースホルダー 2"/>
+          <p:cNvSpPr>
+            <a:spLocks noGrp="1"/>
+          </p:cNvSpPr>
+          <p:nvPr>
+            <p:ph type="sldNum" sz="quarter" idx="12"/>
+          </p:nvPr>
+        </p:nvSpPr>
+        <p:spPr/>
+        <p:txBody>
+          <a:bodyPr/>
+          <a:lstStyle/>
+          <a:p>
+            <a:fld id="{2066355A-084C-D24E-9AD2-7E4FC41EA627}" type="slidenum">
+              <a:rPr lang="en-US" smtClean="0"/>
+              <a:t>4</a:t>
+            </a:fld>
+            <a:endParaRPr lang="en-US"/>
+          </a:p>
+        </p:txBody>
+      </p:sp>
+      <p:sp>
+        <p:nvSpPr>
+          <p:cNvPr id="4" name="日付プレースホルダー 3"/>
+          <p:cNvSpPr>
+            <a:spLocks noGrp="1"/>
+          </p:cNvSpPr>
+          <p:nvPr>
+            <p:ph type="dt" sz="half" idx="10"/>
+          </p:nvPr>
+        </p:nvSpPr>
+        <p:spPr/>
+        <p:txBody>
+          <a:bodyPr/>
+          <a:lstStyle/>
+          <a:p>
+            <a:r>
+              <a:rPr lang="en-US" altLang="ja-JP" smtClean="0"/>
+              <a:t>2017/02/16 </a:t>
+            </a:r>
+            <a:r>
+              <a:rPr lang="ja-JP" altLang="en-US" smtClean="0"/>
+              <a:t>卒論発表</a:t>
+            </a:r>
+            <a:endParaRPr lang="en-US"/>
+          </a:p>
+        </p:txBody>
+      </p:sp>
     </p:spTree>
     <p:extLst>
       <p:ext uri="{BB962C8B-B14F-4D97-AF65-F5344CB8AC3E}">
@@ -3590,6 +4581,56 @@
           </a:p>
         </p:txBody>
       </p:sp>
+      <p:sp>
+        <p:nvSpPr>
+          <p:cNvPr id="3" name="スライド番号プレースホルダー 2"/>
+          <p:cNvSpPr>
+            <a:spLocks noGrp="1"/>
+          </p:cNvSpPr>
+          <p:nvPr>
+            <p:ph type="sldNum" sz="quarter" idx="12"/>
+          </p:nvPr>
+        </p:nvSpPr>
+        <p:spPr/>
+        <p:txBody>
+          <a:bodyPr/>
+          <a:lstStyle/>
+          <a:p>
+            <a:fld id="{2066355A-084C-D24E-9AD2-7E4FC41EA627}" type="slidenum">
+              <a:rPr lang="en-US" smtClean="0"/>
+              <a:t>5</a:t>
+            </a:fld>
+            <a:endParaRPr lang="en-US"/>
+          </a:p>
+        </p:txBody>
+      </p:sp>
+      <p:sp>
+        <p:nvSpPr>
+          <p:cNvPr id="4" name="日付プレースホルダー 3"/>
+          <p:cNvSpPr>
+            <a:spLocks noGrp="1"/>
+          </p:cNvSpPr>
+          <p:nvPr>
+            <p:ph type="dt" sz="half" idx="10"/>
+          </p:nvPr>
+        </p:nvSpPr>
+        <p:spPr/>
+        <p:txBody>
+          <a:bodyPr/>
+          <a:lstStyle/>
+          <a:p>
+            <a:r>
+              <a:rPr lang="en-US" altLang="ja-JP" smtClean="0"/>
+              <a:t>2017/02/16 </a:t>
+            </a:r>
+            <a:r>
+              <a:rPr lang="ja-JP" altLang="en-US" smtClean="0"/>
+              <a:t>卒論発表</a:t>
+            </a:r>
+            <a:endParaRPr lang="en-US"/>
+          </a:p>
+        </p:txBody>
+      </p:sp>
     </p:spTree>
     <p:extLst>
       <p:ext uri="{BB962C8B-B14F-4D97-AF65-F5344CB8AC3E}">
@@ -3669,6 +4710,56 @@
           </a:prstGeom>
         </p:spPr>
       </p:pic>
+      <p:sp>
+        <p:nvSpPr>
+          <p:cNvPr id="3" name="スライド番号プレースホルダー 2"/>
+          <p:cNvSpPr>
+            <a:spLocks noGrp="1"/>
+          </p:cNvSpPr>
+          <p:nvPr>
+            <p:ph type="sldNum" sz="quarter" idx="12"/>
+          </p:nvPr>
+        </p:nvSpPr>
+        <p:spPr/>
+        <p:txBody>
+          <a:bodyPr/>
+          <a:lstStyle/>
+          <a:p>
+            <a:fld id="{2066355A-084C-D24E-9AD2-7E4FC41EA627}" type="slidenum">
+              <a:rPr lang="en-US" smtClean="0"/>
+              <a:t>6</a:t>
+            </a:fld>
+            <a:endParaRPr lang="en-US"/>
+          </a:p>
+        </p:txBody>
+      </p:sp>
+      <p:sp>
+        <p:nvSpPr>
+          <p:cNvPr id="4" name="日付プレースホルダー 3"/>
+          <p:cNvSpPr>
+            <a:spLocks noGrp="1"/>
+          </p:cNvSpPr>
+          <p:nvPr>
+            <p:ph type="dt" sz="half" idx="10"/>
+          </p:nvPr>
+        </p:nvSpPr>
+        <p:spPr/>
+        <p:txBody>
+          <a:bodyPr/>
+          <a:lstStyle/>
+          <a:p>
+            <a:r>
+              <a:rPr lang="en-US" altLang="ja-JP" smtClean="0"/>
+              <a:t>2017/02/16 </a:t>
+            </a:r>
+            <a:r>
+              <a:rPr lang="ja-JP" altLang="en-US" smtClean="0"/>
+              <a:t>卒論発表</a:t>
+            </a:r>
+            <a:endParaRPr lang="en-US"/>
+          </a:p>
+        </p:txBody>
+      </p:sp>
     </p:spTree>
     <p:extLst>
       <p:ext uri="{BB962C8B-B14F-4D97-AF65-F5344CB8AC3E}">
@@ -3748,6 +4839,56 @@
           </a:prstGeom>
         </p:spPr>
       </p:pic>
+      <p:sp>
+        <p:nvSpPr>
+          <p:cNvPr id="3" name="スライド番号プレースホルダー 2"/>
+          <p:cNvSpPr>
+            <a:spLocks noGrp="1"/>
+          </p:cNvSpPr>
+          <p:nvPr>
+            <p:ph type="sldNum" sz="quarter" idx="12"/>
+          </p:nvPr>
+        </p:nvSpPr>
+        <p:spPr/>
+        <p:txBody>
+          <a:bodyPr/>
+          <a:lstStyle/>
+          <a:p>
+            <a:fld id="{2066355A-084C-D24E-9AD2-7E4FC41EA627}" type="slidenum">
+              <a:rPr lang="en-US" smtClean="0"/>
+              <a:t>7</a:t>
+            </a:fld>
+            <a:endParaRPr lang="en-US"/>
+          </a:p>
+        </p:txBody>
+      </p:sp>
+      <p:sp>
+        <p:nvSpPr>
+          <p:cNvPr id="4" name="日付プレースホルダー 3"/>
+          <p:cNvSpPr>
+            <a:spLocks noGrp="1"/>
+          </p:cNvSpPr>
+          <p:nvPr>
+            <p:ph type="dt" sz="half" idx="10"/>
+          </p:nvPr>
+        </p:nvSpPr>
+        <p:spPr/>
+        <p:txBody>
+          <a:bodyPr/>
+          <a:lstStyle/>
+          <a:p>
+            <a:r>
+              <a:rPr lang="en-US" altLang="ja-JP" smtClean="0"/>
+              <a:t>2017/02/16 </a:t>
+            </a:r>
+            <a:r>
+              <a:rPr lang="ja-JP" altLang="en-US" smtClean="0"/>
+              <a:t>卒論発表</a:t>
+            </a:r>
+            <a:endParaRPr lang="en-US"/>
+          </a:p>
+        </p:txBody>
+      </p:sp>
     </p:spTree>
     <p:extLst>
       <p:ext uri="{BB962C8B-B14F-4D97-AF65-F5344CB8AC3E}">
@@ -3849,6 +4990,646 @@
         <a:font script="Arab" typeface="Tahoma"/>
         <a:font script="Hebr" typeface="Miriam"/>
         <a:font script="Thai" typeface="DilleniaUPC"/>
+        <a:font script="Ethi" typeface="Nyala"/>
+        <a:font script="Beng" typeface="Vrinda"/>
+        <a:font script="Gujr" typeface="Shruti"/>
+        <a:font script="Khmr" typeface="DaunPenh"/>
+        <a:font script="Knda" typeface="Tunga"/>
+        <a:font script="Guru" typeface="Raavi"/>
+        <a:font script="Cans" typeface="Euphemia"/>
+        <a:font script="Cher" typeface="Plantagenet Cherokee"/>
+        <a:font script="Yiii" typeface="Microsoft Yi Baiti"/>
+        <a:font script="Tibt" typeface="Microsoft Himalaya"/>
+        <a:font script="Thaa" typeface="MV Boli"/>
+        <a:font script="Deva" typeface="Mangal"/>
+        <a:font script="Telu" typeface="Gautami"/>
+        <a:font script="Taml" typeface="Latha"/>
+        <a:font script="Syrc" typeface="Estrangelo Edessa"/>
+        <a:font script="Orya" typeface="Kalinga"/>
+        <a:font script="Mlym" typeface="Kartika"/>
+        <a:font script="Laoo" typeface="DokChampa"/>
+        <a:font script="Sinh" typeface="Iskoola Pota"/>
+        <a:font script="Mong" typeface="Mongolian Baiti"/>
+        <a:font script="Viet" typeface="Arial"/>
+        <a:font script="Uigh" typeface="Microsoft Uighur"/>
+        <a:font script="Geor" typeface="Sylfaen"/>
+      </a:minorFont>
+    </a:fontScheme>
+    <a:fmtScheme name="Office">
+      <a:fillStyleLst>
+        <a:solidFill>
+          <a:schemeClr val="phClr"/>
+        </a:solidFill>
+        <a:gradFill rotWithShape="1">
+          <a:gsLst>
+            <a:gs pos="0">
+              <a:schemeClr val="phClr">
+                <a:tint val="50000"/>
+                <a:satMod val="300000"/>
+              </a:schemeClr>
+            </a:gs>
+            <a:gs pos="35000">
+              <a:schemeClr val="phClr">
+                <a:tint val="37000"/>
+                <a:satMod val="300000"/>
+              </a:schemeClr>
+            </a:gs>
+            <a:gs pos="100000">
+              <a:schemeClr val="phClr">
+                <a:tint val="15000"/>
+                <a:satMod val="350000"/>
+              </a:schemeClr>
+            </a:gs>
+          </a:gsLst>
+          <a:lin ang="16200000" scaled="1"/>
+        </a:gradFill>
+        <a:gradFill rotWithShape="1">
+          <a:gsLst>
+            <a:gs pos="0">
+              <a:schemeClr val="phClr">
+                <a:tint val="100000"/>
+                <a:shade val="100000"/>
+                <a:satMod val="130000"/>
+              </a:schemeClr>
+            </a:gs>
+            <a:gs pos="100000">
+              <a:schemeClr val="phClr">
+                <a:tint val="50000"/>
+                <a:shade val="100000"/>
+                <a:satMod val="350000"/>
+              </a:schemeClr>
+            </a:gs>
+          </a:gsLst>
+          <a:lin ang="16200000" scaled="0"/>
+        </a:gradFill>
+      </a:fillStyleLst>
+      <a:lnStyleLst>
+        <a:ln w="9525" cap="flat" cmpd="sng" algn="ctr">
+          <a:solidFill>
+            <a:schemeClr val="phClr">
+              <a:shade val="95000"/>
+              <a:satMod val="105000"/>
+            </a:schemeClr>
+          </a:solidFill>
+          <a:prstDash val="solid"/>
+        </a:ln>
+        <a:ln w="25400" cap="flat" cmpd="sng" algn="ctr">
+          <a:solidFill>
+            <a:schemeClr val="phClr"/>
+          </a:solidFill>
+          <a:prstDash val="solid"/>
+        </a:ln>
+        <a:ln w="38100" cap="flat" cmpd="sng" algn="ctr">
+          <a:solidFill>
+            <a:schemeClr val="phClr"/>
+          </a:solidFill>
+          <a:prstDash val="solid"/>
+        </a:ln>
+      </a:lnStyleLst>
+      <a:effectStyleLst>
+        <a:effectStyle>
+          <a:effectLst>
+            <a:outerShdw blurRad="40000" dist="20000" dir="5400000" rotWithShape="0">
+              <a:srgbClr val="000000">
+                <a:alpha val="38000"/>
+              </a:srgbClr>
+            </a:outerShdw>
+          </a:effectLst>
+        </a:effectStyle>
+        <a:effectStyle>
+          <a:effectLst>
+            <a:outerShdw blurRad="40000" dist="23000" dir="5400000" rotWithShape="0">
+              <a:srgbClr val="000000">
+                <a:alpha val="35000"/>
+              </a:srgbClr>
+            </a:outerShdw>
+          </a:effectLst>
+        </a:effectStyle>
+        <a:effectStyle>
+          <a:effectLst>
+            <a:outerShdw blurRad="40000" dist="23000" dir="5400000" rotWithShape="0">
+              <a:srgbClr val="000000">
+                <a:alpha val="35000"/>
+              </a:srgbClr>
+            </a:outerShdw>
+          </a:effectLst>
+          <a:scene3d>
+            <a:camera prst="orthographicFront">
+              <a:rot lat="0" lon="0" rev="0"/>
+            </a:camera>
+            <a:lightRig rig="threePt" dir="t">
+              <a:rot lat="0" lon="0" rev="1200000"/>
+            </a:lightRig>
+          </a:scene3d>
+          <a:sp3d>
+            <a:bevelT w="63500" h="25400"/>
+          </a:sp3d>
+        </a:effectStyle>
+      </a:effectStyleLst>
+      <a:bgFillStyleLst>
+        <a:solidFill>
+          <a:schemeClr val="phClr"/>
+        </a:solidFill>
+        <a:gradFill rotWithShape="1">
+          <a:gsLst>
+            <a:gs pos="0">
+              <a:schemeClr val="phClr">
+                <a:tint val="40000"/>
+                <a:satMod val="350000"/>
+              </a:schemeClr>
+            </a:gs>
+            <a:gs pos="40000">
+              <a:schemeClr val="phClr">
+                <a:tint val="45000"/>
+                <a:shade val="99000"/>
+                <a:satMod val="350000"/>
+              </a:schemeClr>
+            </a:gs>
+            <a:gs pos="100000">
+              <a:schemeClr val="phClr">
+                <a:shade val="20000"/>
+                <a:satMod val="255000"/>
+              </a:schemeClr>
+            </a:gs>
+          </a:gsLst>
+          <a:path path="circle">
+            <a:fillToRect l="50000" t="-80000" r="50000" b="180000"/>
+          </a:path>
+        </a:gradFill>
+        <a:gradFill rotWithShape="1">
+          <a:gsLst>
+            <a:gs pos="0">
+              <a:schemeClr val="phClr">
+                <a:tint val="80000"/>
+                <a:satMod val="300000"/>
+              </a:schemeClr>
+            </a:gs>
+            <a:gs pos="100000">
+              <a:schemeClr val="phClr">
+                <a:shade val="30000"/>
+                <a:satMod val="200000"/>
+              </a:schemeClr>
+            </a:gs>
+          </a:gsLst>
+          <a:path path="circle">
+            <a:fillToRect l="50000" t="50000" r="50000" b="50000"/>
+          </a:path>
+        </a:gradFill>
+      </a:bgFillStyleLst>
+    </a:fmtScheme>
+  </a:themeElements>
+  <a:objectDefaults>
+    <a:spDef>
+      <a:spPr/>
+      <a:bodyPr/>
+      <a:lstStyle/>
+      <a:style>
+        <a:lnRef idx="1">
+          <a:schemeClr val="accent1"/>
+        </a:lnRef>
+        <a:fillRef idx="3">
+          <a:schemeClr val="accent1"/>
+        </a:fillRef>
+        <a:effectRef idx="2">
+          <a:schemeClr val="accent1"/>
+        </a:effectRef>
+        <a:fontRef idx="minor">
+          <a:schemeClr val="lt1"/>
+        </a:fontRef>
+      </a:style>
+    </a:spDef>
+    <a:lnDef>
+      <a:spPr/>
+      <a:bodyPr/>
+      <a:lstStyle/>
+      <a:style>
+        <a:lnRef idx="2">
+          <a:schemeClr val="accent1"/>
+        </a:lnRef>
+        <a:fillRef idx="0">
+          <a:schemeClr val="accent1"/>
+        </a:fillRef>
+        <a:effectRef idx="1">
+          <a:schemeClr val="accent1"/>
+        </a:effectRef>
+        <a:fontRef idx="minor">
+          <a:schemeClr val="tx1"/>
+        </a:fontRef>
+      </a:style>
+    </a:lnDef>
+  </a:objectDefaults>
+  <a:extraClrSchemeLst/>
+</a:theme>
+</file>
+
+<file path=ppt/theme/theme2.xml><?xml version="1.0" encoding="utf-8"?>
+<a:theme xmlns:a="http://schemas.openxmlformats.org/drawingml/2006/main" name="ホワイト">
+  <a:themeElements>
+    <a:clrScheme name="Office">
+      <a:dk1>
+        <a:sysClr val="windowText" lastClr="000000"/>
+      </a:dk1>
+      <a:lt1>
+        <a:sysClr val="window" lastClr="FFFFFF"/>
+      </a:lt1>
+      <a:dk2>
+        <a:srgbClr val="1F497D"/>
+      </a:dk2>
+      <a:lt2>
+        <a:srgbClr val="EEECE1"/>
+      </a:lt2>
+      <a:accent1>
+        <a:srgbClr val="4F81BD"/>
+      </a:accent1>
+      <a:accent2>
+        <a:srgbClr val="C0504D"/>
+      </a:accent2>
+      <a:accent3>
+        <a:srgbClr val="9BBB59"/>
+      </a:accent3>
+      <a:accent4>
+        <a:srgbClr val="8064A2"/>
+      </a:accent4>
+      <a:accent5>
+        <a:srgbClr val="4BACC6"/>
+      </a:accent5>
+      <a:accent6>
+        <a:srgbClr val="F79646"/>
+      </a:accent6>
+      <a:hlink>
+        <a:srgbClr val="0000FF"/>
+      </a:hlink>
+      <a:folHlink>
+        <a:srgbClr val="800080"/>
+      </a:folHlink>
+    </a:clrScheme>
+    <a:fontScheme name="Office">
+      <a:majorFont>
+        <a:latin typeface="Calibri"/>
+        <a:ea typeface=""/>
+        <a:cs typeface=""/>
+        <a:font script="Jpan" typeface="ＭＳ Ｐゴシック"/>
+        <a:font script="Hang" typeface="맑은 고딕"/>
+        <a:font script="Hans" typeface="宋体"/>
+        <a:font script="Hant" typeface="新細明體"/>
+        <a:font script="Arab" typeface="Times New Roman"/>
+        <a:font script="Hebr" typeface="Times New Roman"/>
+        <a:font script="Thai" typeface="Angsana New"/>
+        <a:font script="Ethi" typeface="Nyala"/>
+        <a:font script="Beng" typeface="Vrinda"/>
+        <a:font script="Gujr" typeface="Shruti"/>
+        <a:font script="Khmr" typeface="MoolBoran"/>
+        <a:font script="Knda" typeface="Tunga"/>
+        <a:font script="Guru" typeface="Raavi"/>
+        <a:font script="Cans" typeface="Euphemia"/>
+        <a:font script="Cher" typeface="Plantagenet Cherokee"/>
+        <a:font script="Yiii" typeface="Microsoft Yi Baiti"/>
+        <a:font script="Tibt" typeface="Microsoft Himalaya"/>
+        <a:font script="Thaa" typeface="MV Boli"/>
+        <a:font script="Deva" typeface="Mangal"/>
+        <a:font script="Telu" typeface="Gautami"/>
+        <a:font script="Taml" typeface="Latha"/>
+        <a:font script="Syrc" typeface="Estrangelo Edessa"/>
+        <a:font script="Orya" typeface="Kalinga"/>
+        <a:font script="Mlym" typeface="Kartika"/>
+        <a:font script="Laoo" typeface="DokChampa"/>
+        <a:font script="Sinh" typeface="Iskoola Pota"/>
+        <a:font script="Mong" typeface="Mongolian Baiti"/>
+        <a:font script="Viet" typeface="Times New Roman"/>
+        <a:font script="Uigh" typeface="Microsoft Uighur"/>
+        <a:font script="Geor" typeface="Sylfaen"/>
+      </a:majorFont>
+      <a:minorFont>
+        <a:latin typeface="Calibri"/>
+        <a:ea typeface=""/>
+        <a:cs typeface=""/>
+        <a:font script="Jpan" typeface="ＭＳ Ｐゴシック"/>
+        <a:font script="Hang" typeface="맑은 고딕"/>
+        <a:font script="Hans" typeface="宋体"/>
+        <a:font script="Hant" typeface="新細明體"/>
+        <a:font script="Arab" typeface="Arial"/>
+        <a:font script="Hebr" typeface="Arial"/>
+        <a:font script="Thai" typeface="Cordia New"/>
+        <a:font script="Ethi" typeface="Nyala"/>
+        <a:font script="Beng" typeface="Vrinda"/>
+        <a:font script="Gujr" typeface="Shruti"/>
+        <a:font script="Khmr" typeface="DaunPenh"/>
+        <a:font script="Knda" typeface="Tunga"/>
+        <a:font script="Guru" typeface="Raavi"/>
+        <a:font script="Cans" typeface="Euphemia"/>
+        <a:font script="Cher" typeface="Plantagenet Cherokee"/>
+        <a:font script="Yiii" typeface="Microsoft Yi Baiti"/>
+        <a:font script="Tibt" typeface="Microsoft Himalaya"/>
+        <a:font script="Thaa" typeface="MV Boli"/>
+        <a:font script="Deva" typeface="Mangal"/>
+        <a:font script="Telu" typeface="Gautami"/>
+        <a:font script="Taml" typeface="Latha"/>
+        <a:font script="Syrc" typeface="Estrangelo Edessa"/>
+        <a:font script="Orya" typeface="Kalinga"/>
+        <a:font script="Mlym" typeface="Kartika"/>
+        <a:font script="Laoo" typeface="DokChampa"/>
+        <a:font script="Sinh" typeface="Iskoola Pota"/>
+        <a:font script="Mong" typeface="Mongolian Baiti"/>
+        <a:font script="Viet" typeface="Arial"/>
+        <a:font script="Uigh" typeface="Microsoft Uighur"/>
+        <a:font script="Geor" typeface="Sylfaen"/>
+      </a:minorFont>
+    </a:fontScheme>
+    <a:fmtScheme name="Office">
+      <a:fillStyleLst>
+        <a:solidFill>
+          <a:schemeClr val="phClr"/>
+        </a:solidFill>
+        <a:gradFill rotWithShape="1">
+          <a:gsLst>
+            <a:gs pos="0">
+              <a:schemeClr val="phClr">
+                <a:tint val="50000"/>
+                <a:satMod val="300000"/>
+              </a:schemeClr>
+            </a:gs>
+            <a:gs pos="35000">
+              <a:schemeClr val="phClr">
+                <a:tint val="37000"/>
+                <a:satMod val="300000"/>
+              </a:schemeClr>
+            </a:gs>
+            <a:gs pos="100000">
+              <a:schemeClr val="phClr">
+                <a:tint val="15000"/>
+                <a:satMod val="350000"/>
+              </a:schemeClr>
+            </a:gs>
+          </a:gsLst>
+          <a:lin ang="16200000" scaled="1"/>
+        </a:gradFill>
+        <a:gradFill rotWithShape="1">
+          <a:gsLst>
+            <a:gs pos="0">
+              <a:schemeClr val="phClr">
+                <a:tint val="100000"/>
+                <a:shade val="100000"/>
+                <a:satMod val="130000"/>
+              </a:schemeClr>
+            </a:gs>
+            <a:gs pos="100000">
+              <a:schemeClr val="phClr">
+                <a:tint val="50000"/>
+                <a:shade val="100000"/>
+                <a:satMod val="350000"/>
+              </a:schemeClr>
+            </a:gs>
+          </a:gsLst>
+          <a:lin ang="16200000" scaled="0"/>
+        </a:gradFill>
+      </a:fillStyleLst>
+      <a:lnStyleLst>
+        <a:ln w="9525" cap="flat" cmpd="sng" algn="ctr">
+          <a:solidFill>
+            <a:schemeClr val="phClr">
+              <a:shade val="95000"/>
+              <a:satMod val="105000"/>
+            </a:schemeClr>
+          </a:solidFill>
+          <a:prstDash val="solid"/>
+        </a:ln>
+        <a:ln w="25400" cap="flat" cmpd="sng" algn="ctr">
+          <a:solidFill>
+            <a:schemeClr val="phClr"/>
+          </a:solidFill>
+          <a:prstDash val="solid"/>
+        </a:ln>
+        <a:ln w="38100" cap="flat" cmpd="sng" algn="ctr">
+          <a:solidFill>
+            <a:schemeClr val="phClr"/>
+          </a:solidFill>
+          <a:prstDash val="solid"/>
+        </a:ln>
+      </a:lnStyleLst>
+      <a:effectStyleLst>
+        <a:effectStyle>
+          <a:effectLst>
+            <a:outerShdw blurRad="40000" dist="20000" dir="5400000" rotWithShape="0">
+              <a:srgbClr val="000000">
+                <a:alpha val="38000"/>
+              </a:srgbClr>
+            </a:outerShdw>
+          </a:effectLst>
+        </a:effectStyle>
+        <a:effectStyle>
+          <a:effectLst>
+            <a:outerShdw blurRad="40000" dist="23000" dir="5400000" rotWithShape="0">
+              <a:srgbClr val="000000">
+                <a:alpha val="35000"/>
+              </a:srgbClr>
+            </a:outerShdw>
+          </a:effectLst>
+        </a:effectStyle>
+        <a:effectStyle>
+          <a:effectLst>
+            <a:outerShdw blurRad="40000" dist="23000" dir="5400000" rotWithShape="0">
+              <a:srgbClr val="000000">
+                <a:alpha val="35000"/>
+              </a:srgbClr>
+            </a:outerShdw>
+          </a:effectLst>
+          <a:scene3d>
+            <a:camera prst="orthographicFront">
+              <a:rot lat="0" lon="0" rev="0"/>
+            </a:camera>
+            <a:lightRig rig="threePt" dir="t">
+              <a:rot lat="0" lon="0" rev="1200000"/>
+            </a:lightRig>
+          </a:scene3d>
+          <a:sp3d>
+            <a:bevelT w="63500" h="25400"/>
+          </a:sp3d>
+        </a:effectStyle>
+      </a:effectStyleLst>
+      <a:bgFillStyleLst>
+        <a:solidFill>
+          <a:schemeClr val="phClr"/>
+        </a:solidFill>
+        <a:gradFill rotWithShape="1">
+          <a:gsLst>
+            <a:gs pos="0">
+              <a:schemeClr val="phClr">
+                <a:tint val="40000"/>
+                <a:satMod val="350000"/>
+              </a:schemeClr>
+            </a:gs>
+            <a:gs pos="40000">
+              <a:schemeClr val="phClr">
+                <a:tint val="45000"/>
+                <a:shade val="99000"/>
+                <a:satMod val="350000"/>
+              </a:schemeClr>
+            </a:gs>
+            <a:gs pos="100000">
+              <a:schemeClr val="phClr">
+                <a:shade val="20000"/>
+                <a:satMod val="255000"/>
+              </a:schemeClr>
+            </a:gs>
+          </a:gsLst>
+          <a:path path="circle">
+            <a:fillToRect l="50000" t="-80000" r="50000" b="180000"/>
+          </a:path>
+        </a:gradFill>
+        <a:gradFill rotWithShape="1">
+          <a:gsLst>
+            <a:gs pos="0">
+              <a:schemeClr val="phClr">
+                <a:tint val="80000"/>
+                <a:satMod val="300000"/>
+              </a:schemeClr>
+            </a:gs>
+            <a:gs pos="100000">
+              <a:schemeClr val="phClr">
+                <a:shade val="30000"/>
+                <a:satMod val="200000"/>
+              </a:schemeClr>
+            </a:gs>
+          </a:gsLst>
+          <a:path path="circle">
+            <a:fillToRect l="50000" t="50000" r="50000" b="50000"/>
+          </a:path>
+        </a:gradFill>
+      </a:bgFillStyleLst>
+    </a:fmtScheme>
+  </a:themeElements>
+  <a:objectDefaults>
+    <a:spDef>
+      <a:spPr/>
+      <a:bodyPr/>
+      <a:lstStyle/>
+      <a:style>
+        <a:lnRef idx="1">
+          <a:schemeClr val="accent1"/>
+        </a:lnRef>
+        <a:fillRef idx="3">
+          <a:schemeClr val="accent1"/>
+        </a:fillRef>
+        <a:effectRef idx="2">
+          <a:schemeClr val="accent1"/>
+        </a:effectRef>
+        <a:fontRef idx="minor">
+          <a:schemeClr val="lt1"/>
+        </a:fontRef>
+      </a:style>
+    </a:spDef>
+    <a:lnDef>
+      <a:spPr/>
+      <a:bodyPr/>
+      <a:lstStyle/>
+      <a:style>
+        <a:lnRef idx="2">
+          <a:schemeClr val="accent1"/>
+        </a:lnRef>
+        <a:fillRef idx="0">
+          <a:schemeClr val="accent1"/>
+        </a:fillRef>
+        <a:effectRef idx="1">
+          <a:schemeClr val="accent1"/>
+        </a:effectRef>
+        <a:fontRef idx="minor">
+          <a:schemeClr val="tx1"/>
+        </a:fontRef>
+      </a:style>
+    </a:lnDef>
+  </a:objectDefaults>
+  <a:extraClrSchemeLst/>
+</a:theme>
+</file>
+
+<file path=ppt/theme/theme3.xml><?xml version="1.0" encoding="utf-8"?>
+<a:theme xmlns:a="http://schemas.openxmlformats.org/drawingml/2006/main" name="ホワイト">
+  <a:themeElements>
+    <a:clrScheme name="Office">
+      <a:dk1>
+        <a:sysClr val="windowText" lastClr="000000"/>
+      </a:dk1>
+      <a:lt1>
+        <a:sysClr val="window" lastClr="FFFFFF"/>
+      </a:lt1>
+      <a:dk2>
+        <a:srgbClr val="1F497D"/>
+      </a:dk2>
+      <a:lt2>
+        <a:srgbClr val="EEECE1"/>
+      </a:lt2>
+      <a:accent1>
+        <a:srgbClr val="4F81BD"/>
+      </a:accent1>
+      <a:accent2>
+        <a:srgbClr val="C0504D"/>
+      </a:accent2>
+      <a:accent3>
+        <a:srgbClr val="9BBB59"/>
+      </a:accent3>
+      <a:accent4>
+        <a:srgbClr val="8064A2"/>
+      </a:accent4>
+      <a:accent5>
+        <a:srgbClr val="4BACC6"/>
+      </a:accent5>
+      <a:accent6>
+        <a:srgbClr val="F79646"/>
+      </a:accent6>
+      <a:hlink>
+        <a:srgbClr val="0000FF"/>
+      </a:hlink>
+      <a:folHlink>
+        <a:srgbClr val="800080"/>
+      </a:folHlink>
+    </a:clrScheme>
+    <a:fontScheme name="Office">
+      <a:majorFont>
+        <a:latin typeface="Calibri"/>
+        <a:ea typeface=""/>
+        <a:cs typeface=""/>
+        <a:font script="Jpan" typeface="ＭＳ Ｐゴシック"/>
+        <a:font script="Hang" typeface="맑은 고딕"/>
+        <a:font script="Hans" typeface="宋体"/>
+        <a:font script="Hant" typeface="新細明體"/>
+        <a:font script="Arab" typeface="Times New Roman"/>
+        <a:font script="Hebr" typeface="Times New Roman"/>
+        <a:font script="Thai" typeface="Angsana New"/>
+        <a:font script="Ethi" typeface="Nyala"/>
+        <a:font script="Beng" typeface="Vrinda"/>
+        <a:font script="Gujr" typeface="Shruti"/>
+        <a:font script="Khmr" typeface="MoolBoran"/>
+        <a:font script="Knda" typeface="Tunga"/>
+        <a:font script="Guru" typeface="Raavi"/>
+        <a:font script="Cans" typeface="Euphemia"/>
+        <a:font script="Cher" typeface="Plantagenet Cherokee"/>
+        <a:font script="Yiii" typeface="Microsoft Yi Baiti"/>
+        <a:font script="Tibt" typeface="Microsoft Himalaya"/>
+        <a:font script="Thaa" typeface="MV Boli"/>
+        <a:font script="Deva" typeface="Mangal"/>
+        <a:font script="Telu" typeface="Gautami"/>
+        <a:font script="Taml" typeface="Latha"/>
+        <a:font script="Syrc" typeface="Estrangelo Edessa"/>
+        <a:font script="Orya" typeface="Kalinga"/>
+        <a:font script="Mlym" typeface="Kartika"/>
+        <a:font script="Laoo" typeface="DokChampa"/>
+        <a:font script="Sinh" typeface="Iskoola Pota"/>
+        <a:font script="Mong" typeface="Mongolian Baiti"/>
+        <a:font script="Viet" typeface="Times New Roman"/>
+        <a:font script="Uigh" typeface="Microsoft Uighur"/>
+        <a:font script="Geor" typeface="Sylfaen"/>
+      </a:majorFont>
+      <a:minorFont>
+        <a:latin typeface="Calibri"/>
+        <a:ea typeface=""/>
+        <a:cs typeface=""/>
+        <a:font script="Jpan" typeface="ＭＳ Ｐゴシック"/>
+        <a:font script="Hang" typeface="맑은 고딕"/>
+        <a:font script="Hans" typeface="宋体"/>
+        <a:font script="Hant" typeface="新細明體"/>
+        <a:font script="Arab" typeface="Arial"/>
+        <a:font script="Hebr" typeface="Arial"/>
+        <a:font script="Thai" typeface="Cordia New"/>
         <a:font script="Ethi" typeface="Nyala"/>
         <a:font script="Beng" typeface="Vrinda"/>
         <a:font script="Gujr" typeface="Shruti"/>

--- a/Isoya20170216.pptx
+++ b/Isoya20170216.pptx
@@ -5,19 +5,24 @@
     <p:sldMasterId id="2147493455" r:id="rId4"/>
   </p:sldMasterIdLst>
   <p:notesMasterIdLst>
-    <p:notesMasterId r:id="rId12"/>
+    <p:notesMasterId r:id="rId17"/>
   </p:notesMasterIdLst>
   <p:handoutMasterIdLst>
-    <p:handoutMasterId r:id="rId13"/>
+    <p:handoutMasterId r:id="rId18"/>
   </p:handoutMasterIdLst>
   <p:sldIdLst>
     <p:sldId id="256" r:id="rId5"/>
     <p:sldId id="257" r:id="rId6"/>
-    <p:sldId id="258" r:id="rId7"/>
-    <p:sldId id="261" r:id="rId8"/>
-    <p:sldId id="262" r:id="rId9"/>
-    <p:sldId id="259" r:id="rId10"/>
-    <p:sldId id="260" r:id="rId11"/>
+    <p:sldId id="265" r:id="rId7"/>
+    <p:sldId id="263" r:id="rId8"/>
+    <p:sldId id="264" r:id="rId9"/>
+    <p:sldId id="258" r:id="rId10"/>
+    <p:sldId id="261" r:id="rId11"/>
+    <p:sldId id="262" r:id="rId12"/>
+    <p:sldId id="259" r:id="rId13"/>
+    <p:sldId id="260" r:id="rId14"/>
+    <p:sldId id="267" r:id="rId15"/>
+    <p:sldId id="266" r:id="rId16"/>
   </p:sldIdLst>
   <p:sldSz cx="9144000" cy="6858000" type="screen4x3"/>
   <p:notesSz cx="6858000" cy="9144000"/>
@@ -3211,8 +3216,8 @@
         </p:nvSpPr>
         <p:spPr>
           <a:xfrm>
-            <a:off x="3549" y="6586984"/>
-            <a:ext cx="9144000" cy="271016"/>
+            <a:off x="-6530" y="6576904"/>
+            <a:ext cx="9180000" cy="306000"/>
           </a:xfrm>
           <a:prstGeom prst="rect">
             <a:avLst/>
@@ -3262,8 +3267,8 @@
         </p:nvSpPr>
         <p:spPr>
           <a:xfrm>
-            <a:off x="0" y="0"/>
-            <a:ext cx="9144000" cy="877576"/>
+            <a:off x="-10079" y="-10080"/>
+            <a:ext cx="9180000" cy="889200"/>
           </a:xfrm>
           <a:prstGeom prst="rect">
             <a:avLst/>
@@ -4065,6 +4070,467 @@
 </p:sld>
 </file>
 
+<file path=ppt/slides/slide10.xml><?xml version="1.0" encoding="utf-8"?>
+<p:sld xmlns:a="http://schemas.openxmlformats.org/drawingml/2006/main" xmlns:r="http://schemas.openxmlformats.org/officeDocument/2006/relationships" xmlns:p="http://schemas.openxmlformats.org/presentationml/2006/main">
+  <p:cSld>
+    <p:spTree>
+      <p:nvGrpSpPr>
+        <p:cNvPr id="1" name=""/>
+        <p:cNvGrpSpPr/>
+        <p:nvPr/>
+      </p:nvGrpSpPr>
+      <p:grpSpPr>
+        <a:xfrm>
+          <a:off x="0" y="0"/>
+          <a:ext cx="0" cy="0"/>
+          <a:chOff x="0" y="0"/>
+          <a:chExt cx="0" cy="0"/>
+        </a:xfrm>
+      </p:grpSpPr>
+      <p:sp>
+        <p:nvSpPr>
+          <p:cNvPr id="2" name="タイトル 1"/>
+          <p:cNvSpPr>
+            <a:spLocks noGrp="1"/>
+          </p:cNvSpPr>
+          <p:nvPr>
+            <p:ph type="title"/>
+          </p:nvPr>
+        </p:nvSpPr>
+        <p:spPr/>
+        <p:txBody>
+          <a:bodyPr/>
+          <a:lstStyle/>
+          <a:p>
+            <a:endParaRPr kumimoji="1" lang="ja-JP" altLang="en-US" dirty="0"/>
+          </a:p>
+        </p:txBody>
+      </p:sp>
+      <p:pic>
+        <p:nvPicPr>
+          <p:cNvPr id="6" name="図 5" descr="PrecessionRate_B.pdf"/>
+          <p:cNvPicPr>
+            <a:picLocks noChangeAspect="1"/>
+          </p:cNvPicPr>
+          <p:nvPr/>
+        </p:nvPicPr>
+        <p:blipFill>
+          <a:blip r:embed="rId2">
+            <a:extLst>
+              <a:ext uri="{28A0092B-C50C-407E-A947-70E740481C1C}">
+                <a14:useLocalDpi xmlns:a14="http://schemas.microsoft.com/office/drawing/2010/main" val="0"/>
+              </a:ext>
+            </a:extLst>
+          </a:blip>
+          <a:stretch>
+            <a:fillRect/>
+          </a:stretch>
+        </p:blipFill>
+        <p:spPr>
+          <a:xfrm>
+            <a:off x="1158119" y="1417638"/>
+            <a:ext cx="6772963" cy="4755485"/>
+          </a:xfrm>
+          <a:prstGeom prst="rect">
+            <a:avLst/>
+          </a:prstGeom>
+        </p:spPr>
+      </p:pic>
+      <p:sp>
+        <p:nvSpPr>
+          <p:cNvPr id="3" name="スライド番号プレースホルダー 2"/>
+          <p:cNvSpPr>
+            <a:spLocks noGrp="1"/>
+          </p:cNvSpPr>
+          <p:nvPr>
+            <p:ph type="sldNum" sz="quarter" idx="12"/>
+          </p:nvPr>
+        </p:nvSpPr>
+        <p:spPr/>
+        <p:txBody>
+          <a:bodyPr/>
+          <a:lstStyle/>
+          <a:p>
+            <a:fld id="{2066355A-084C-D24E-9AD2-7E4FC41EA627}" type="slidenum">
+              <a:rPr lang="en-US" smtClean="0"/>
+              <a:t>10</a:t>
+            </a:fld>
+            <a:endParaRPr lang="en-US"/>
+          </a:p>
+        </p:txBody>
+      </p:sp>
+      <p:sp>
+        <p:nvSpPr>
+          <p:cNvPr id="4" name="日付プレースホルダー 3"/>
+          <p:cNvSpPr>
+            <a:spLocks noGrp="1"/>
+          </p:cNvSpPr>
+          <p:nvPr>
+            <p:ph type="dt" sz="half" idx="10"/>
+          </p:nvPr>
+        </p:nvSpPr>
+        <p:spPr/>
+        <p:txBody>
+          <a:bodyPr/>
+          <a:lstStyle/>
+          <a:p>
+            <a:r>
+              <a:rPr lang="en-US" altLang="ja-JP" smtClean="0"/>
+              <a:t>2017/02/16 </a:t>
+            </a:r>
+            <a:r>
+              <a:rPr lang="ja-JP" altLang="en-US" smtClean="0"/>
+              <a:t>卒論発表</a:t>
+            </a:r>
+            <a:endParaRPr lang="en-US"/>
+          </a:p>
+        </p:txBody>
+      </p:sp>
+    </p:spTree>
+    <p:extLst>
+      <p:ext uri="{BB962C8B-B14F-4D97-AF65-F5344CB8AC3E}">
+        <p14:creationId xmlns:p14="http://schemas.microsoft.com/office/powerpoint/2010/main" val="3821669769"/>
+      </p:ext>
+    </p:extLst>
+  </p:cSld>
+  <p:clrMapOvr>
+    <a:masterClrMapping/>
+  </p:clrMapOvr>
+  <p:timing>
+    <p:tnLst>
+      <p:par>
+        <p:cTn xmlns:p14="http://schemas.microsoft.com/office/powerpoint/2010/main" id="1" dur="indefinite" restart="never" nodeType="tmRoot"/>
+      </p:par>
+    </p:tnLst>
+  </p:timing>
+</p:sld>
+</file>
+
+<file path=ppt/slides/slide11.xml><?xml version="1.0" encoding="utf-8"?>
+<p:sld xmlns:a="http://schemas.openxmlformats.org/drawingml/2006/main" xmlns:r="http://schemas.openxmlformats.org/officeDocument/2006/relationships" xmlns:p="http://schemas.openxmlformats.org/presentationml/2006/main">
+  <p:cSld>
+    <p:spTree>
+      <p:nvGrpSpPr>
+        <p:cNvPr id="1" name=""/>
+        <p:cNvGrpSpPr/>
+        <p:nvPr/>
+      </p:nvGrpSpPr>
+      <p:grpSpPr>
+        <a:xfrm>
+          <a:off x="0" y="0"/>
+          <a:ext cx="0" cy="0"/>
+          <a:chOff x="0" y="0"/>
+          <a:chExt cx="0" cy="0"/>
+        </a:xfrm>
+      </p:grpSpPr>
+      <p:sp>
+        <p:nvSpPr>
+          <p:cNvPr id="2" name="タイトル 1"/>
+          <p:cNvSpPr>
+            <a:spLocks noGrp="1"/>
+          </p:cNvSpPr>
+          <p:nvPr>
+            <p:ph type="title"/>
+          </p:nvPr>
+        </p:nvSpPr>
+        <p:spPr/>
+        <p:txBody>
+          <a:bodyPr/>
+          <a:lstStyle/>
+          <a:p>
+            <a:endParaRPr kumimoji="1" lang="ja-JP" altLang="en-US"/>
+          </a:p>
+        </p:txBody>
+      </p:sp>
+      <p:sp>
+        <p:nvSpPr>
+          <p:cNvPr id="3" name="コンテンツ プレースホルダー 2"/>
+          <p:cNvSpPr>
+            <a:spLocks noGrp="1"/>
+          </p:cNvSpPr>
+          <p:nvPr>
+            <p:ph idx="1"/>
+          </p:nvPr>
+        </p:nvSpPr>
+        <p:spPr/>
+        <p:txBody>
+          <a:bodyPr/>
+          <a:lstStyle/>
+          <a:p>
+            <a:r>
+              <a:rPr kumimoji="1" lang="en-US" altLang="ja-JP" dirty="0" smtClean="0"/>
+              <a:t>Appendix</a:t>
+            </a:r>
+            <a:endParaRPr kumimoji="1" lang="ja-JP" altLang="en-US" dirty="0"/>
+          </a:p>
+        </p:txBody>
+      </p:sp>
+      <p:sp>
+        <p:nvSpPr>
+          <p:cNvPr id="4" name="日付プレースホルダー 3"/>
+          <p:cNvSpPr>
+            <a:spLocks noGrp="1"/>
+          </p:cNvSpPr>
+          <p:nvPr>
+            <p:ph type="dt" sz="half" idx="10"/>
+          </p:nvPr>
+        </p:nvSpPr>
+        <p:spPr/>
+        <p:txBody>
+          <a:bodyPr/>
+          <a:lstStyle/>
+          <a:p>
+            <a:r>
+              <a:rPr lang="en-US" altLang="ja-JP" smtClean="0"/>
+              <a:t>2017/02/16 </a:t>
+            </a:r>
+            <a:r>
+              <a:rPr lang="ja-JP" altLang="en-US" smtClean="0"/>
+              <a:t>卒論発表</a:t>
+            </a:r>
+            <a:endParaRPr lang="en-US"/>
+          </a:p>
+        </p:txBody>
+      </p:sp>
+      <p:sp>
+        <p:nvSpPr>
+          <p:cNvPr id="5" name="スライド番号プレースホルダー 4"/>
+          <p:cNvSpPr>
+            <a:spLocks noGrp="1"/>
+          </p:cNvSpPr>
+          <p:nvPr>
+            <p:ph type="sldNum" sz="quarter" idx="12"/>
+          </p:nvPr>
+        </p:nvSpPr>
+        <p:spPr/>
+        <p:txBody>
+          <a:bodyPr/>
+          <a:lstStyle/>
+          <a:p>
+            <a:fld id="{2066355A-084C-D24E-9AD2-7E4FC41EA627}" type="slidenum">
+              <a:rPr lang="en-US" smtClean="0"/>
+              <a:t>11</a:t>
+            </a:fld>
+            <a:endParaRPr lang="en-US"/>
+          </a:p>
+        </p:txBody>
+      </p:sp>
+    </p:spTree>
+    <p:extLst>
+      <p:ext uri="{BB962C8B-B14F-4D97-AF65-F5344CB8AC3E}">
+        <p14:creationId xmlns:p14="http://schemas.microsoft.com/office/powerpoint/2010/main" val="1461065549"/>
+      </p:ext>
+    </p:extLst>
+  </p:cSld>
+  <p:clrMapOvr>
+    <a:masterClrMapping/>
+  </p:clrMapOvr>
+  <p:timing>
+    <p:tnLst>
+      <p:par>
+        <p:cTn xmlns:p14="http://schemas.microsoft.com/office/powerpoint/2010/main" id="1" dur="indefinite" restart="never" nodeType="tmRoot"/>
+      </p:par>
+    </p:tnLst>
+  </p:timing>
+</p:sld>
+</file>
+
+<file path=ppt/slides/slide12.xml><?xml version="1.0" encoding="utf-8"?>
+<p:sld xmlns:a="http://schemas.openxmlformats.org/drawingml/2006/main" xmlns:r="http://schemas.openxmlformats.org/officeDocument/2006/relationships" xmlns:p="http://schemas.openxmlformats.org/presentationml/2006/main">
+  <p:cSld>
+    <p:spTree>
+      <p:nvGrpSpPr>
+        <p:cNvPr id="1" name=""/>
+        <p:cNvGrpSpPr/>
+        <p:nvPr/>
+      </p:nvGrpSpPr>
+      <p:grpSpPr>
+        <a:xfrm>
+          <a:off x="0" y="0"/>
+          <a:ext cx="0" cy="0"/>
+          <a:chOff x="0" y="0"/>
+          <a:chExt cx="0" cy="0"/>
+        </a:xfrm>
+      </p:grpSpPr>
+      <p:sp>
+        <p:nvSpPr>
+          <p:cNvPr id="2" name="タイトル 1"/>
+          <p:cNvSpPr>
+            <a:spLocks noGrp="1"/>
+          </p:cNvSpPr>
+          <p:nvPr>
+            <p:ph type="title"/>
+          </p:nvPr>
+        </p:nvSpPr>
+        <p:spPr/>
+        <p:txBody>
+          <a:bodyPr/>
+          <a:lstStyle/>
+          <a:p>
+            <a:endParaRPr kumimoji="1" lang="ja-JP" altLang="en-US" dirty="0"/>
+          </a:p>
+        </p:txBody>
+      </p:sp>
+      <p:sp>
+        <p:nvSpPr>
+          <p:cNvPr id="4" name="日付プレースホルダー 3"/>
+          <p:cNvSpPr>
+            <a:spLocks noGrp="1"/>
+          </p:cNvSpPr>
+          <p:nvPr>
+            <p:ph type="dt" sz="half" idx="10"/>
+          </p:nvPr>
+        </p:nvSpPr>
+        <p:spPr/>
+        <p:txBody>
+          <a:bodyPr/>
+          <a:lstStyle/>
+          <a:p>
+            <a:r>
+              <a:rPr lang="en-US" altLang="ja-JP" smtClean="0"/>
+              <a:t>2017/02/16 </a:t>
+            </a:r>
+            <a:r>
+              <a:rPr lang="ja-JP" altLang="en-US" smtClean="0"/>
+              <a:t>卒論発表</a:t>
+            </a:r>
+            <a:endParaRPr lang="en-US"/>
+          </a:p>
+        </p:txBody>
+      </p:sp>
+      <p:sp>
+        <p:nvSpPr>
+          <p:cNvPr id="5" name="スライド番号プレースホルダー 4"/>
+          <p:cNvSpPr>
+            <a:spLocks noGrp="1"/>
+          </p:cNvSpPr>
+          <p:nvPr>
+            <p:ph type="sldNum" sz="quarter" idx="12"/>
+          </p:nvPr>
+        </p:nvSpPr>
+        <p:spPr/>
+        <p:txBody>
+          <a:bodyPr/>
+          <a:lstStyle/>
+          <a:p>
+            <a:fld id="{2066355A-084C-D24E-9AD2-7E4FC41EA627}" type="slidenum">
+              <a:rPr lang="en-US" smtClean="0"/>
+              <a:t>12</a:t>
+            </a:fld>
+            <a:endParaRPr lang="en-US"/>
+          </a:p>
+        </p:txBody>
+      </p:sp>
+      <p:pic>
+        <p:nvPicPr>
+          <p:cNvPr id="9" name="図 8" descr="latex-image-1.pdf"/>
+          <p:cNvPicPr>
+            <a:picLocks noChangeAspect="1"/>
+          </p:cNvPicPr>
+          <p:nvPr/>
+        </p:nvPicPr>
+        <p:blipFill>
+          <a:blip r:embed="rId2">
+            <a:extLst>
+              <a:ext uri="{28A0092B-C50C-407E-A947-70E740481C1C}">
+                <a14:useLocalDpi xmlns:a14="http://schemas.microsoft.com/office/drawing/2010/main" val="0"/>
+              </a:ext>
+            </a:extLst>
+          </a:blip>
+          <a:stretch>
+            <a:fillRect/>
+          </a:stretch>
+        </p:blipFill>
+        <p:spPr>
+          <a:xfrm>
+            <a:off x="721661" y="1329226"/>
+            <a:ext cx="6680200" cy="647700"/>
+          </a:xfrm>
+          <a:prstGeom prst="rect">
+            <a:avLst/>
+          </a:prstGeom>
+        </p:spPr>
+      </p:pic>
+      <p:pic>
+        <p:nvPicPr>
+          <p:cNvPr id="10" name="図 9" descr="latex-image-1.pdf"/>
+          <p:cNvPicPr>
+            <a:picLocks noChangeAspect="1"/>
+          </p:cNvPicPr>
+          <p:nvPr/>
+        </p:nvPicPr>
+        <p:blipFill>
+          <a:blip r:embed="rId3">
+            <a:extLst>
+              <a:ext uri="{28A0092B-C50C-407E-A947-70E740481C1C}">
+                <a14:useLocalDpi xmlns:a14="http://schemas.microsoft.com/office/drawing/2010/main" val="0"/>
+              </a:ext>
+            </a:extLst>
+          </a:blip>
+          <a:stretch>
+            <a:fillRect/>
+          </a:stretch>
+        </p:blipFill>
+        <p:spPr>
+          <a:xfrm>
+            <a:off x="488189" y="2436180"/>
+            <a:ext cx="8356600" cy="469900"/>
+          </a:xfrm>
+          <a:prstGeom prst="rect">
+            <a:avLst/>
+          </a:prstGeom>
+        </p:spPr>
+      </p:pic>
+      <p:pic>
+        <p:nvPicPr>
+          <p:cNvPr id="11" name="図 10" descr="latex-image-1.pdf"/>
+          <p:cNvPicPr>
+            <a:picLocks noChangeAspect="1"/>
+          </p:cNvPicPr>
+          <p:nvPr/>
+        </p:nvPicPr>
+        <p:blipFill>
+          <a:blip r:embed="rId4">
+            <a:extLst>
+              <a:ext uri="{28A0092B-C50C-407E-A947-70E740481C1C}">
+                <a14:useLocalDpi xmlns:a14="http://schemas.microsoft.com/office/drawing/2010/main" val="0"/>
+              </a:ext>
+            </a:extLst>
+          </a:blip>
+          <a:stretch>
+            <a:fillRect/>
+          </a:stretch>
+        </p:blipFill>
+        <p:spPr>
+          <a:xfrm>
+            <a:off x="1545938" y="3183709"/>
+            <a:ext cx="1866900" cy="1333500"/>
+          </a:xfrm>
+          <a:prstGeom prst="rect">
+            <a:avLst/>
+          </a:prstGeom>
+        </p:spPr>
+      </p:pic>
+    </p:spTree>
+    <p:extLst>
+      <p:ext uri="{BB962C8B-B14F-4D97-AF65-F5344CB8AC3E}">
+        <p14:creationId xmlns:p14="http://schemas.microsoft.com/office/powerpoint/2010/main" val="323590582"/>
+      </p:ext>
+    </p:extLst>
+  </p:cSld>
+  <p:clrMapOvr>
+    <a:masterClrMapping/>
+  </p:clrMapOvr>
+  <p:timing>
+    <p:tnLst>
+      <p:par>
+        <p:cTn xmlns:p14="http://schemas.microsoft.com/office/powerpoint/2010/main" id="1" dur="indefinite" restart="never" nodeType="tmRoot"/>
+      </p:par>
+    </p:tnLst>
+  </p:timing>
+</p:sld>
+</file>
+
 <file path=ppt/slides/slide2.xml><?xml version="1.0" encoding="utf-8"?>
 <p:sld xmlns:a="http://schemas.openxmlformats.org/drawingml/2006/main" xmlns:r="http://schemas.openxmlformats.org/officeDocument/2006/relationships" xmlns:p="http://schemas.openxmlformats.org/presentationml/2006/main">
   <p:cSld>
@@ -4184,6 +4650,13 @@
   <p:clrMapOvr>
     <a:masterClrMapping/>
   </p:clrMapOvr>
+  <p:timing>
+    <p:tnLst>
+      <p:par>
+        <p:cTn xmlns:p14="http://schemas.microsoft.com/office/powerpoint/2010/main" id="1" dur="indefinite" restart="never" nodeType="tmRoot"/>
+      </p:par>
+    </p:tnLst>
+  </p:timing>
 </p:sld>
 </file>
 
@@ -4219,6 +4692,1842 @@
           <a:bodyPr/>
           <a:lstStyle/>
           <a:p>
+            <a:r>
+              <a:rPr kumimoji="1" lang="ja-JP" altLang="en-US" dirty="0" smtClean="0"/>
+              <a:t>背景</a:t>
+            </a:r>
+            <a:endParaRPr kumimoji="1" lang="ja-JP" altLang="en-US" dirty="0"/>
+          </a:p>
+        </p:txBody>
+      </p:sp>
+      <p:sp>
+        <p:nvSpPr>
+          <p:cNvPr id="3" name="コンテンツ プレースホルダー 2"/>
+          <p:cNvSpPr>
+            <a:spLocks noGrp="1"/>
+          </p:cNvSpPr>
+          <p:nvPr>
+            <p:ph idx="1"/>
+          </p:nvPr>
+        </p:nvSpPr>
+        <p:spPr/>
+        <p:txBody>
+          <a:bodyPr/>
+          <a:lstStyle/>
+          <a:p>
+            <a:endParaRPr kumimoji="1" lang="ja-JP" altLang="en-US"/>
+          </a:p>
+        </p:txBody>
+      </p:sp>
+      <p:sp>
+        <p:nvSpPr>
+          <p:cNvPr id="4" name="日付プレースホルダー 3"/>
+          <p:cNvSpPr>
+            <a:spLocks noGrp="1"/>
+          </p:cNvSpPr>
+          <p:nvPr>
+            <p:ph type="dt" sz="half" idx="10"/>
+          </p:nvPr>
+        </p:nvSpPr>
+        <p:spPr/>
+        <p:txBody>
+          <a:bodyPr/>
+          <a:lstStyle/>
+          <a:p>
+            <a:r>
+              <a:rPr lang="en-US" altLang="ja-JP" smtClean="0"/>
+              <a:t>2017/02/16 </a:t>
+            </a:r>
+            <a:r>
+              <a:rPr lang="ja-JP" altLang="en-US" smtClean="0"/>
+              <a:t>卒論発表</a:t>
+            </a:r>
+            <a:endParaRPr lang="en-US"/>
+          </a:p>
+        </p:txBody>
+      </p:sp>
+      <p:sp>
+        <p:nvSpPr>
+          <p:cNvPr id="5" name="スライド番号プレースホルダー 4"/>
+          <p:cNvSpPr>
+            <a:spLocks noGrp="1"/>
+          </p:cNvSpPr>
+          <p:nvPr>
+            <p:ph type="sldNum" sz="quarter" idx="12"/>
+          </p:nvPr>
+        </p:nvSpPr>
+        <p:spPr/>
+        <p:txBody>
+          <a:bodyPr/>
+          <a:lstStyle/>
+          <a:p>
+            <a:fld id="{2066355A-084C-D24E-9AD2-7E4FC41EA627}" type="slidenum">
+              <a:rPr lang="en-US" smtClean="0"/>
+              <a:t>3</a:t>
+            </a:fld>
+            <a:endParaRPr lang="en-US"/>
+          </a:p>
+        </p:txBody>
+      </p:sp>
+    </p:spTree>
+    <p:extLst>
+      <p:ext uri="{BB962C8B-B14F-4D97-AF65-F5344CB8AC3E}">
+        <p14:creationId xmlns:p14="http://schemas.microsoft.com/office/powerpoint/2010/main" val="4150742125"/>
+      </p:ext>
+    </p:extLst>
+  </p:cSld>
+  <p:clrMapOvr>
+    <a:masterClrMapping/>
+  </p:clrMapOvr>
+  <p:timing>
+    <p:tnLst>
+      <p:par>
+        <p:cTn xmlns:p14="http://schemas.microsoft.com/office/powerpoint/2010/main" id="1" dur="indefinite" restart="never" nodeType="tmRoot"/>
+      </p:par>
+    </p:tnLst>
+  </p:timing>
+</p:sld>
+</file>
+
+<file path=ppt/slides/slide4.xml><?xml version="1.0" encoding="utf-8"?>
+<p:sld xmlns:a="http://schemas.openxmlformats.org/drawingml/2006/main" xmlns:r="http://schemas.openxmlformats.org/officeDocument/2006/relationships" xmlns:p="http://schemas.openxmlformats.org/presentationml/2006/main">
+  <p:cSld>
+    <p:spTree>
+      <p:nvGrpSpPr>
+        <p:cNvPr id="1" name=""/>
+        <p:cNvGrpSpPr/>
+        <p:nvPr/>
+      </p:nvGrpSpPr>
+      <p:grpSpPr>
+        <a:xfrm>
+          <a:off x="0" y="0"/>
+          <a:ext cx="0" cy="0"/>
+          <a:chOff x="0" y="0"/>
+          <a:chExt cx="0" cy="0"/>
+        </a:xfrm>
+      </p:grpSpPr>
+      <p:sp>
+        <p:nvSpPr>
+          <p:cNvPr id="2" name="タイトル 1"/>
+          <p:cNvSpPr>
+            <a:spLocks noGrp="1"/>
+          </p:cNvSpPr>
+          <p:nvPr>
+            <p:ph type="title"/>
+          </p:nvPr>
+        </p:nvSpPr>
+        <p:spPr/>
+        <p:txBody>
+          <a:bodyPr>
+            <a:normAutofit fontScale="90000"/>
+          </a:bodyPr>
+          <a:lstStyle/>
+          <a:p>
+            <a:r>
+              <a:rPr kumimoji="1" lang="ja-JP" altLang="en-US" dirty="0" smtClean="0"/>
+              <a:t>多体問題の力学の扱い方：摂動</a:t>
+            </a:r>
+            <a:endParaRPr kumimoji="1" lang="ja-JP" altLang="en-US" dirty="0"/>
+          </a:p>
+        </p:txBody>
+      </p:sp>
+      <p:sp>
+        <p:nvSpPr>
+          <p:cNvPr id="4" name="日付プレースホルダー 3"/>
+          <p:cNvSpPr>
+            <a:spLocks noGrp="1"/>
+          </p:cNvSpPr>
+          <p:nvPr>
+            <p:ph type="dt" sz="half" idx="10"/>
+          </p:nvPr>
+        </p:nvSpPr>
+        <p:spPr/>
+        <p:txBody>
+          <a:bodyPr/>
+          <a:lstStyle/>
+          <a:p>
+            <a:r>
+              <a:rPr lang="en-US" altLang="ja-JP" smtClean="0"/>
+              <a:t>2017/02/16 </a:t>
+            </a:r>
+            <a:r>
+              <a:rPr lang="ja-JP" altLang="en-US" smtClean="0"/>
+              <a:t>卒論発表</a:t>
+            </a:r>
+            <a:endParaRPr lang="en-US"/>
+          </a:p>
+        </p:txBody>
+      </p:sp>
+      <p:sp>
+        <p:nvSpPr>
+          <p:cNvPr id="5" name="スライド番号プレースホルダー 4"/>
+          <p:cNvSpPr>
+            <a:spLocks noGrp="1"/>
+          </p:cNvSpPr>
+          <p:nvPr>
+            <p:ph type="sldNum" sz="quarter" idx="12"/>
+          </p:nvPr>
+        </p:nvSpPr>
+        <p:spPr/>
+        <p:txBody>
+          <a:bodyPr/>
+          <a:lstStyle/>
+          <a:p>
+            <a:fld id="{2066355A-084C-D24E-9AD2-7E4FC41EA627}" type="slidenum">
+              <a:rPr lang="en-US" smtClean="0"/>
+              <a:t>4</a:t>
+            </a:fld>
+            <a:endParaRPr lang="en-US"/>
+          </a:p>
+        </p:txBody>
+      </p:sp>
+      <p:sp>
+        <p:nvSpPr>
+          <p:cNvPr id="21" name="テキスト ボックス 20"/>
+          <p:cNvSpPr txBox="1"/>
+          <p:nvPr/>
+        </p:nvSpPr>
+        <p:spPr>
+          <a:xfrm>
+            <a:off x="602079" y="1135098"/>
+            <a:ext cx="3775393" cy="523220"/>
+          </a:xfrm>
+          <a:prstGeom prst="rect">
+            <a:avLst/>
+          </a:prstGeom>
+          <a:noFill/>
+        </p:spPr>
+        <p:txBody>
+          <a:bodyPr wrap="none" rtlCol="0">
+            <a:spAutoFit/>
+          </a:bodyPr>
+          <a:lstStyle/>
+          <a:p>
+            <a:r>
+              <a:rPr kumimoji="1" lang="ja-JP" altLang="en-US" sz="2800" dirty="0" smtClean="0"/>
+              <a:t>３体問題は積分不可能</a:t>
+            </a:r>
+            <a:endParaRPr kumimoji="1" lang="ja-JP" altLang="en-US" sz="2800" dirty="0"/>
+          </a:p>
+        </p:txBody>
+      </p:sp>
+      <p:sp>
+        <p:nvSpPr>
+          <p:cNvPr id="22" name="テキスト ボックス 21"/>
+          <p:cNvSpPr txBox="1"/>
+          <p:nvPr/>
+        </p:nvSpPr>
+        <p:spPr>
+          <a:xfrm>
+            <a:off x="491449" y="2020468"/>
+            <a:ext cx="5570756" cy="523220"/>
+          </a:xfrm>
+          <a:prstGeom prst="rect">
+            <a:avLst/>
+          </a:prstGeom>
+          <a:noFill/>
+        </p:spPr>
+        <p:txBody>
+          <a:bodyPr wrap="none" rtlCol="0">
+            <a:spAutoFit/>
+          </a:bodyPr>
+          <a:lstStyle/>
+          <a:p>
+            <a:r>
+              <a:rPr kumimoji="1" lang="ja-JP" altLang="en-US" sz="2800" dirty="0" smtClean="0"/>
+              <a:t>中心星からの重力が支配的な場合</a:t>
+            </a:r>
+            <a:endParaRPr kumimoji="1" lang="ja-JP" altLang="en-US" sz="2800" dirty="0"/>
+          </a:p>
+        </p:txBody>
+      </p:sp>
+      <p:grpSp>
+        <p:nvGrpSpPr>
+          <p:cNvPr id="24" name="図形グループ 23"/>
+          <p:cNvGrpSpPr/>
+          <p:nvPr/>
+        </p:nvGrpSpPr>
+        <p:grpSpPr>
+          <a:xfrm>
+            <a:off x="1000862" y="2642416"/>
+            <a:ext cx="6753219" cy="523220"/>
+            <a:chOff x="441054" y="2637997"/>
+            <a:chExt cx="6753219" cy="523220"/>
+          </a:xfrm>
+        </p:grpSpPr>
+        <p:grpSp>
+          <p:nvGrpSpPr>
+            <p:cNvPr id="20" name="図形グループ 19"/>
+            <p:cNvGrpSpPr/>
+            <p:nvPr/>
+          </p:nvGrpSpPr>
+          <p:grpSpPr>
+            <a:xfrm>
+              <a:off x="2358983" y="2637997"/>
+              <a:ext cx="4835290" cy="523220"/>
+              <a:chOff x="-183168" y="1452408"/>
+              <a:chExt cx="4835290" cy="523220"/>
+            </a:xfrm>
+          </p:grpSpPr>
+          <p:grpSp>
+            <p:nvGrpSpPr>
+              <p:cNvPr id="14" name="図形グループ 13"/>
+              <p:cNvGrpSpPr/>
+              <p:nvPr/>
+            </p:nvGrpSpPr>
+            <p:grpSpPr>
+              <a:xfrm>
+                <a:off x="219316" y="1452408"/>
+                <a:ext cx="4432806" cy="523220"/>
+                <a:chOff x="430970" y="1421242"/>
+                <a:chExt cx="4432806" cy="523220"/>
+              </a:xfrm>
+            </p:grpSpPr>
+            <p:sp>
+              <p:nvSpPr>
+                <p:cNvPr id="10" name="テキスト ボックス 9"/>
+                <p:cNvSpPr txBox="1"/>
+                <p:nvPr/>
+              </p:nvSpPr>
+              <p:spPr>
+                <a:xfrm>
+                  <a:off x="430970" y="1421242"/>
+                  <a:ext cx="3057247" cy="523220"/>
+                </a:xfrm>
+                <a:prstGeom prst="rect">
+                  <a:avLst/>
+                </a:prstGeom>
+                <a:ln>
+                  <a:noFill/>
+                </a:ln>
+              </p:spPr>
+              <p:style>
+                <a:lnRef idx="2">
+                  <a:schemeClr val="dk1"/>
+                </a:lnRef>
+                <a:fillRef idx="1">
+                  <a:schemeClr val="lt1"/>
+                </a:fillRef>
+                <a:effectRef idx="0">
+                  <a:schemeClr val="dk1"/>
+                </a:effectRef>
+                <a:fontRef idx="minor">
+                  <a:schemeClr val="dk1"/>
+                </a:fontRef>
+              </p:style>
+              <p:txBody>
+                <a:bodyPr wrap="none" rtlCol="0">
+                  <a:spAutoFit/>
+                </a:bodyPr>
+                <a:lstStyle/>
+                <a:p>
+                  <a:r>
+                    <a:rPr kumimoji="1" lang="ja-JP" altLang="en-US" sz="2800" dirty="0" smtClean="0"/>
+                    <a:t>２体問題の厳密解</a:t>
+                  </a:r>
+                  <a:endParaRPr kumimoji="1" lang="ja-JP" altLang="en-US" sz="2800" dirty="0"/>
+                </a:p>
+              </p:txBody>
+            </p:sp>
+            <p:sp>
+              <p:nvSpPr>
+                <p:cNvPr id="11" name="テキスト ボックス 10"/>
+                <p:cNvSpPr txBox="1"/>
+                <p:nvPr/>
+              </p:nvSpPr>
+              <p:spPr>
+                <a:xfrm>
+                  <a:off x="3960965" y="1421242"/>
+                  <a:ext cx="902811" cy="523220"/>
+                </a:xfrm>
+                <a:prstGeom prst="rect">
+                  <a:avLst/>
+                </a:prstGeom>
+                <a:ln w="31750" cap="rnd">
+                  <a:solidFill>
+                    <a:srgbClr val="FF0000"/>
+                  </a:solidFill>
+                  <a:round/>
+                </a:ln>
+              </p:spPr>
+              <p:style>
+                <a:lnRef idx="2">
+                  <a:schemeClr val="dk1"/>
+                </a:lnRef>
+                <a:fillRef idx="1">
+                  <a:schemeClr val="lt1"/>
+                </a:fillRef>
+                <a:effectRef idx="0">
+                  <a:schemeClr val="dk1"/>
+                </a:effectRef>
+                <a:fontRef idx="minor">
+                  <a:schemeClr val="dk1"/>
+                </a:fontRef>
+              </p:style>
+              <p:txBody>
+                <a:bodyPr wrap="none" rtlCol="0">
+                  <a:spAutoFit/>
+                </a:bodyPr>
+                <a:lstStyle/>
+                <a:p>
+                  <a:r>
+                    <a:rPr kumimoji="1" lang="ja-JP" altLang="en-US" sz="2800" dirty="0" smtClean="0"/>
+                    <a:t>摂動</a:t>
+                  </a:r>
+                  <a:endParaRPr kumimoji="1" lang="ja-JP" altLang="en-US" sz="2800" dirty="0"/>
+                </a:p>
+              </p:txBody>
+            </p:sp>
+            <p:sp>
+              <p:nvSpPr>
+                <p:cNvPr id="13" name="加算記号 12"/>
+                <p:cNvSpPr/>
+                <p:nvPr/>
+              </p:nvSpPr>
+              <p:spPr>
+                <a:xfrm>
+                  <a:off x="3452745" y="1460634"/>
+                  <a:ext cx="437670" cy="443508"/>
+                </a:xfrm>
+                <a:prstGeom prst="mathPlus">
+                  <a:avLst>
+                    <a:gd name="adj1" fmla="val 7591"/>
+                  </a:avLst>
+                </a:prstGeom>
+                <a:solidFill>
+                  <a:srgbClr val="000000"/>
+                </a:solidFill>
+                <a:ln>
+                  <a:noFill/>
+                </a:ln>
+              </p:spPr>
+              <p:style>
+                <a:lnRef idx="2">
+                  <a:schemeClr val="dk1"/>
+                </a:lnRef>
+                <a:fillRef idx="1">
+                  <a:schemeClr val="lt1"/>
+                </a:fillRef>
+                <a:effectRef idx="0">
+                  <a:schemeClr val="dk1"/>
+                </a:effectRef>
+                <a:fontRef idx="minor">
+                  <a:schemeClr val="dk1"/>
+                </a:fontRef>
+              </p:style>
+              <p:txBody>
+                <a:bodyPr rtlCol="0" anchor="ctr"/>
+                <a:lstStyle/>
+                <a:p>
+                  <a:pPr algn="ctr"/>
+                  <a:endParaRPr kumimoji="1" lang="ja-JP" altLang="en-US" dirty="0"/>
+                </a:p>
+              </p:txBody>
+            </p:sp>
+          </p:grpSp>
+          <p:sp>
+            <p:nvSpPr>
+              <p:cNvPr id="17" name="等号 16"/>
+              <p:cNvSpPr/>
+              <p:nvPr/>
+            </p:nvSpPr>
+            <p:spPr>
+              <a:xfrm>
+                <a:off x="-183168" y="1491800"/>
+                <a:ext cx="442800" cy="453600"/>
+              </a:xfrm>
+              <a:prstGeom prst="mathEqual">
+                <a:avLst>
+                  <a:gd name="adj1" fmla="val 6667"/>
+                  <a:gd name="adj2" fmla="val 22221"/>
+                </a:avLst>
+              </a:prstGeom>
+              <a:solidFill>
+                <a:schemeClr val="tx1"/>
+              </a:solidFill>
+              <a:ln>
+                <a:noFill/>
+              </a:ln>
+            </p:spPr>
+            <p:style>
+              <a:lnRef idx="2">
+                <a:schemeClr val="dk1"/>
+              </a:lnRef>
+              <a:fillRef idx="1">
+                <a:schemeClr val="lt1"/>
+              </a:fillRef>
+              <a:effectRef idx="0">
+                <a:schemeClr val="dk1"/>
+              </a:effectRef>
+              <a:fontRef idx="minor">
+                <a:schemeClr val="dk1"/>
+              </a:fontRef>
+            </p:style>
+            <p:txBody>
+              <a:bodyPr rtlCol="0" anchor="ctr"/>
+              <a:lstStyle/>
+              <a:p>
+                <a:pPr algn="ctr"/>
+                <a:endParaRPr kumimoji="1" lang="ja-JP" altLang="en-US" dirty="0">
+                  <a:solidFill>
+                    <a:schemeClr val="tx1"/>
+                  </a:solidFill>
+                </a:endParaRPr>
+              </a:p>
+            </p:txBody>
+          </p:sp>
+        </p:grpSp>
+        <p:sp>
+          <p:nvSpPr>
+            <p:cNvPr id="23" name="テキスト ボックス 22"/>
+            <p:cNvSpPr txBox="1"/>
+            <p:nvPr/>
+          </p:nvSpPr>
+          <p:spPr>
+            <a:xfrm>
+              <a:off x="441054" y="2637997"/>
+              <a:ext cx="1980029" cy="523220"/>
+            </a:xfrm>
+            <a:prstGeom prst="rect">
+              <a:avLst/>
+            </a:prstGeom>
+            <a:ln>
+              <a:noFill/>
+            </a:ln>
+          </p:spPr>
+          <p:style>
+            <a:lnRef idx="2">
+              <a:schemeClr val="dk1"/>
+            </a:lnRef>
+            <a:fillRef idx="1">
+              <a:schemeClr val="lt1"/>
+            </a:fillRef>
+            <a:effectRef idx="0">
+              <a:schemeClr val="dk1"/>
+            </a:effectRef>
+            <a:fontRef idx="minor">
+              <a:schemeClr val="dk1"/>
+            </a:fontRef>
+          </p:style>
+          <p:txBody>
+            <a:bodyPr wrap="none" rtlCol="0">
+              <a:spAutoFit/>
+            </a:bodyPr>
+            <a:lstStyle/>
+            <a:p>
+              <a:r>
+                <a:rPr kumimoji="1" lang="ja-JP" altLang="en-US" sz="2800" dirty="0" smtClean="0"/>
+                <a:t>天体の運動</a:t>
+              </a:r>
+              <a:endParaRPr kumimoji="1" lang="ja-JP" altLang="en-US" sz="2800" dirty="0"/>
+            </a:p>
+          </p:txBody>
+        </p:sp>
+      </p:grpSp>
+      <p:grpSp>
+        <p:nvGrpSpPr>
+          <p:cNvPr id="35" name="図形グループ 34"/>
+          <p:cNvGrpSpPr/>
+          <p:nvPr/>
+        </p:nvGrpSpPr>
+        <p:grpSpPr>
+          <a:xfrm>
+            <a:off x="576228" y="4346838"/>
+            <a:ext cx="4134465" cy="1658404"/>
+            <a:chOff x="576228" y="4429291"/>
+            <a:chExt cx="4134465" cy="1658404"/>
+          </a:xfrm>
+        </p:grpSpPr>
+        <p:pic>
+          <p:nvPicPr>
+            <p:cNvPr id="27" name="図 26" descr="latex-image-1.pdf"/>
+            <p:cNvPicPr>
+              <a:picLocks noChangeAspect="1"/>
+            </p:cNvPicPr>
+            <p:nvPr/>
+          </p:nvPicPr>
+          <p:blipFill>
+            <a:blip r:embed="rId2">
+              <a:extLst>
+                <a:ext uri="{28A0092B-C50C-407E-A947-70E740481C1C}">
+                  <a14:useLocalDpi xmlns:a14="http://schemas.microsoft.com/office/drawing/2010/main" val="0"/>
+                </a:ext>
+              </a:extLst>
+            </a:blip>
+            <a:stretch>
+              <a:fillRect/>
+            </a:stretch>
+          </p:blipFill>
+          <p:spPr>
+            <a:xfrm>
+              <a:off x="1117600" y="4429291"/>
+              <a:ext cx="2946400" cy="952500"/>
+            </a:xfrm>
+            <a:prstGeom prst="rect">
+              <a:avLst/>
+            </a:prstGeom>
+          </p:spPr>
+        </p:pic>
+        <p:sp>
+          <p:nvSpPr>
+            <p:cNvPr id="29" name="テキスト ボックス 28"/>
+            <p:cNvSpPr txBox="1"/>
+            <p:nvPr/>
+          </p:nvSpPr>
+          <p:spPr>
+            <a:xfrm>
+              <a:off x="576228" y="5564475"/>
+              <a:ext cx="4134465" cy="523220"/>
+            </a:xfrm>
+            <a:prstGeom prst="rect">
+              <a:avLst/>
+            </a:prstGeom>
+            <a:noFill/>
+          </p:spPr>
+          <p:txBody>
+            <a:bodyPr wrap="none" rtlCol="0">
+              <a:spAutoFit/>
+            </a:bodyPr>
+            <a:lstStyle/>
+            <a:p>
+              <a:r>
+                <a:rPr kumimoji="1" lang="ja-JP" altLang="en-US" sz="2800" dirty="0" smtClean="0"/>
+                <a:t>２体問題のポテンシャル</a:t>
+              </a:r>
+              <a:endParaRPr kumimoji="1" lang="ja-JP" altLang="en-US" sz="2800" dirty="0"/>
+            </a:p>
+          </p:txBody>
+        </p:sp>
+      </p:grpSp>
+      <p:grpSp>
+        <p:nvGrpSpPr>
+          <p:cNvPr id="34" name="図形グループ 33"/>
+          <p:cNvGrpSpPr/>
+          <p:nvPr/>
+        </p:nvGrpSpPr>
+        <p:grpSpPr>
+          <a:xfrm>
+            <a:off x="2133624" y="3476110"/>
+            <a:ext cx="4937315" cy="571500"/>
+            <a:chOff x="2038210" y="3476110"/>
+            <a:chExt cx="4937315" cy="571500"/>
+          </a:xfrm>
+        </p:grpSpPr>
+        <p:pic>
+          <p:nvPicPr>
+            <p:cNvPr id="28" name="図 27" descr="latex-image-1.pdf"/>
+            <p:cNvPicPr>
+              <a:picLocks noChangeAspect="1"/>
+            </p:cNvPicPr>
+            <p:nvPr/>
+          </p:nvPicPr>
+          <p:blipFill>
+            <a:blip r:embed="rId3">
+              <a:extLst>
+                <a:ext uri="{28A0092B-C50C-407E-A947-70E740481C1C}">
+                  <a14:useLocalDpi xmlns:a14="http://schemas.microsoft.com/office/drawing/2010/main" val="0"/>
+                </a:ext>
+              </a:extLst>
+            </a:blip>
+            <a:stretch>
+              <a:fillRect/>
+            </a:stretch>
+          </p:blipFill>
+          <p:spPr>
+            <a:xfrm>
+              <a:off x="4168825" y="3476110"/>
+              <a:ext cx="2806700" cy="571500"/>
+            </a:xfrm>
+            <a:prstGeom prst="rect">
+              <a:avLst/>
+            </a:prstGeom>
+          </p:spPr>
+        </p:pic>
+        <p:sp>
+          <p:nvSpPr>
+            <p:cNvPr id="30" name="テキスト ボックス 29"/>
+            <p:cNvSpPr txBox="1"/>
+            <p:nvPr/>
+          </p:nvSpPr>
+          <p:spPr>
+            <a:xfrm>
+              <a:off x="2038210" y="3524390"/>
+              <a:ext cx="1980029" cy="523220"/>
+            </a:xfrm>
+            <a:prstGeom prst="rect">
+              <a:avLst/>
+            </a:prstGeom>
+            <a:noFill/>
+          </p:spPr>
+          <p:txBody>
+            <a:bodyPr wrap="none" rtlCol="0">
+              <a:spAutoFit/>
+            </a:bodyPr>
+            <a:lstStyle/>
+            <a:p>
+              <a:r>
+                <a:rPr kumimoji="1" lang="ja-JP" altLang="en-US" sz="2800" dirty="0" smtClean="0"/>
+                <a:t>相対加速度</a:t>
+              </a:r>
+              <a:endParaRPr kumimoji="1" lang="ja-JP" altLang="en-US" sz="2800" dirty="0"/>
+            </a:p>
+          </p:txBody>
+        </p:sp>
+      </p:grpSp>
+      <p:grpSp>
+        <p:nvGrpSpPr>
+          <p:cNvPr id="42" name="図形グループ 41"/>
+          <p:cNvGrpSpPr/>
+          <p:nvPr/>
+        </p:nvGrpSpPr>
+        <p:grpSpPr>
+          <a:xfrm>
+            <a:off x="4710693" y="1120705"/>
+            <a:ext cx="3328511" cy="523220"/>
+            <a:chOff x="5067620" y="1198559"/>
+            <a:chExt cx="3328511" cy="523220"/>
+          </a:xfrm>
+        </p:grpSpPr>
+        <p:sp>
+          <p:nvSpPr>
+            <p:cNvPr id="31" name="テキスト ボックス 30"/>
+            <p:cNvSpPr txBox="1"/>
+            <p:nvPr/>
+          </p:nvSpPr>
+          <p:spPr>
+            <a:xfrm>
+              <a:off x="5067620" y="1198559"/>
+              <a:ext cx="902811" cy="523220"/>
+            </a:xfrm>
+            <a:prstGeom prst="rect">
+              <a:avLst/>
+            </a:prstGeom>
+            <a:noFill/>
+          </p:spPr>
+          <p:txBody>
+            <a:bodyPr wrap="none" rtlCol="0">
+              <a:spAutoFit/>
+            </a:bodyPr>
+            <a:lstStyle/>
+            <a:p>
+              <a:r>
+                <a:rPr kumimoji="1" lang="ja-JP" altLang="en-US" sz="2800" dirty="0" smtClean="0"/>
+                <a:t>質量</a:t>
+              </a:r>
+              <a:endParaRPr kumimoji="1" lang="ja-JP" altLang="en-US" sz="2800" dirty="0"/>
+            </a:p>
+          </p:txBody>
+        </p:sp>
+        <p:pic>
+          <p:nvPicPr>
+            <p:cNvPr id="33" name="図 32" descr="latex-image-1.pdf"/>
+            <p:cNvPicPr>
+              <a:picLocks noChangeAspect="1"/>
+            </p:cNvPicPr>
+            <p:nvPr/>
+          </p:nvPicPr>
+          <p:blipFill>
+            <a:blip r:embed="rId4">
+              <a:extLst>
+                <a:ext uri="{28A0092B-C50C-407E-A947-70E740481C1C}">
+                  <a14:useLocalDpi xmlns:a14="http://schemas.microsoft.com/office/drawing/2010/main" val="0"/>
+                </a:ext>
+              </a:extLst>
+            </a:blip>
+            <a:stretch>
+              <a:fillRect/>
+            </a:stretch>
+          </p:blipFill>
+          <p:spPr>
+            <a:xfrm>
+              <a:off x="5970431" y="1212952"/>
+              <a:ext cx="2425700" cy="469900"/>
+            </a:xfrm>
+            <a:prstGeom prst="rect">
+              <a:avLst/>
+            </a:prstGeom>
+          </p:spPr>
+        </p:pic>
+      </p:grpSp>
+      <p:grpSp>
+        <p:nvGrpSpPr>
+          <p:cNvPr id="41" name="図形グループ 40"/>
+          <p:cNvGrpSpPr/>
+          <p:nvPr/>
+        </p:nvGrpSpPr>
+        <p:grpSpPr>
+          <a:xfrm>
+            <a:off x="4763639" y="4423677"/>
+            <a:ext cx="3757439" cy="1590041"/>
+            <a:chOff x="4763639" y="4666731"/>
+            <a:chExt cx="3757439" cy="1590041"/>
+          </a:xfrm>
+        </p:grpSpPr>
+        <p:grpSp>
+          <p:nvGrpSpPr>
+            <p:cNvPr id="39" name="図形グループ 38"/>
+            <p:cNvGrpSpPr/>
+            <p:nvPr/>
+          </p:nvGrpSpPr>
+          <p:grpSpPr>
+            <a:xfrm>
+              <a:off x="4763639" y="4666731"/>
+              <a:ext cx="3757439" cy="1590041"/>
+              <a:chOff x="4763639" y="4666731"/>
+              <a:chExt cx="3757439" cy="1590041"/>
+            </a:xfrm>
+          </p:grpSpPr>
+          <p:sp>
+            <p:nvSpPr>
+              <p:cNvPr id="18" name="テキスト ボックス 17"/>
+              <p:cNvSpPr txBox="1"/>
+              <p:nvPr/>
+            </p:nvSpPr>
+            <p:spPr>
+              <a:xfrm>
+                <a:off x="4763639" y="5733552"/>
+                <a:ext cx="3757439" cy="523220"/>
+              </a:xfrm>
+              <a:prstGeom prst="rect">
+                <a:avLst/>
+              </a:prstGeom>
+              <a:noFill/>
+            </p:spPr>
+            <p:txBody>
+              <a:bodyPr wrap="none" rtlCol="0">
+                <a:spAutoFit/>
+              </a:bodyPr>
+              <a:lstStyle/>
+              <a:p>
+                <a:r>
+                  <a:rPr kumimoji="1" lang="ja-JP" altLang="en-US" sz="2800" dirty="0" smtClean="0"/>
+                  <a:t>（摂動ポテンシャル）</a:t>
+                </a:r>
+                <a:endParaRPr kumimoji="1" lang="en-US" altLang="ja-JP" sz="2800" dirty="0" smtClean="0"/>
+              </a:p>
+            </p:txBody>
+          </p:sp>
+          <p:pic>
+            <p:nvPicPr>
+              <p:cNvPr id="37" name="図 36" descr="latex-image-1.pdf"/>
+              <p:cNvPicPr>
+                <a:picLocks noChangeAspect="1"/>
+              </p:cNvPicPr>
+              <p:nvPr/>
+            </p:nvPicPr>
+            <p:blipFill>
+              <a:blip r:embed="rId5">
+                <a:extLst>
+                  <a:ext uri="{28A0092B-C50C-407E-A947-70E740481C1C}">
+                    <a14:useLocalDpi xmlns:a14="http://schemas.microsoft.com/office/drawing/2010/main" val="0"/>
+                  </a:ext>
+                </a:extLst>
+              </a:blip>
+              <a:stretch>
+                <a:fillRect/>
+              </a:stretch>
+            </p:blipFill>
+            <p:spPr>
+              <a:xfrm>
+                <a:off x="6451859" y="4666731"/>
+                <a:ext cx="381000" cy="342900"/>
+              </a:xfrm>
+              <a:prstGeom prst="rect">
+                <a:avLst/>
+              </a:prstGeom>
+            </p:spPr>
+          </p:pic>
+        </p:grpSp>
+        <p:sp>
+          <p:nvSpPr>
+            <p:cNvPr id="40" name="テキスト ボックス 39"/>
+            <p:cNvSpPr txBox="1"/>
+            <p:nvPr/>
+          </p:nvSpPr>
+          <p:spPr>
+            <a:xfrm>
+              <a:off x="5831880" y="5210332"/>
+              <a:ext cx="1620957" cy="523220"/>
+            </a:xfrm>
+            <a:prstGeom prst="rect">
+              <a:avLst/>
+            </a:prstGeom>
+            <a:noFill/>
+            <a:ln w="28575" cap="rnd">
+              <a:solidFill>
+                <a:srgbClr val="FF0000"/>
+              </a:solidFill>
+            </a:ln>
+          </p:spPr>
+          <p:txBody>
+            <a:bodyPr wrap="none" rtlCol="0">
+              <a:spAutoFit/>
+            </a:bodyPr>
+            <a:lstStyle/>
+            <a:p>
+              <a:r>
+                <a:rPr kumimoji="1" lang="ja-JP" altLang="en-US" sz="2800" dirty="0"/>
+                <a:t>摂動</a:t>
+              </a:r>
+              <a:r>
+                <a:rPr kumimoji="1" lang="ja-JP" altLang="en-US" sz="2800" dirty="0" smtClean="0"/>
+                <a:t>関数</a:t>
+              </a:r>
+              <a:endParaRPr kumimoji="1" lang="en-US" altLang="ja-JP" sz="2800" dirty="0"/>
+            </a:p>
+          </p:txBody>
+        </p:sp>
+      </p:grpSp>
+    </p:spTree>
+    <p:extLst>
+      <p:ext uri="{BB962C8B-B14F-4D97-AF65-F5344CB8AC3E}">
+        <p14:creationId xmlns:p14="http://schemas.microsoft.com/office/powerpoint/2010/main" val="2504950110"/>
+      </p:ext>
+    </p:extLst>
+  </p:cSld>
+  <p:clrMapOvr>
+    <a:masterClrMapping/>
+  </p:clrMapOvr>
+  <p:timing>
+    <p:tnLst>
+      <p:par>
+        <p:cTn xmlns:p14="http://schemas.microsoft.com/office/powerpoint/2010/main" id="1" dur="indefinite" restart="never" nodeType="tmRoot"/>
+      </p:par>
+    </p:tnLst>
+  </p:timing>
+</p:sld>
+</file>
+
+<file path=ppt/slides/slide5.xml><?xml version="1.0" encoding="utf-8"?>
+<p:sld xmlns:a="http://schemas.openxmlformats.org/drawingml/2006/main" xmlns:r="http://schemas.openxmlformats.org/officeDocument/2006/relationships" xmlns:p="http://schemas.openxmlformats.org/presentationml/2006/main">
+  <p:cSld>
+    <p:spTree>
+      <p:nvGrpSpPr>
+        <p:cNvPr id="1" name=""/>
+        <p:cNvGrpSpPr/>
+        <p:nvPr/>
+      </p:nvGrpSpPr>
+      <p:grpSpPr>
+        <a:xfrm>
+          <a:off x="0" y="0"/>
+          <a:ext cx="0" cy="0"/>
+          <a:chOff x="0" y="0"/>
+          <a:chExt cx="0" cy="0"/>
+        </a:xfrm>
+      </p:grpSpPr>
+      <p:sp>
+        <p:nvSpPr>
+          <p:cNvPr id="4" name="日付プレースホルダー 3"/>
+          <p:cNvSpPr>
+            <a:spLocks noGrp="1"/>
+          </p:cNvSpPr>
+          <p:nvPr>
+            <p:ph type="dt" sz="half" idx="10"/>
+          </p:nvPr>
+        </p:nvSpPr>
+        <p:spPr/>
+        <p:txBody>
+          <a:bodyPr/>
+          <a:lstStyle/>
+          <a:p>
+            <a:r>
+              <a:rPr lang="en-US" altLang="ja-JP" smtClean="0"/>
+              <a:t>2017/02/16 </a:t>
+            </a:r>
+            <a:r>
+              <a:rPr lang="ja-JP" altLang="en-US" smtClean="0"/>
+              <a:t>卒論発表</a:t>
+            </a:r>
+            <a:endParaRPr lang="en-US"/>
+          </a:p>
+        </p:txBody>
+      </p:sp>
+      <p:sp>
+        <p:nvSpPr>
+          <p:cNvPr id="5" name="スライド番号プレースホルダー 4"/>
+          <p:cNvSpPr>
+            <a:spLocks noGrp="1"/>
+          </p:cNvSpPr>
+          <p:nvPr>
+            <p:ph type="sldNum" sz="quarter" idx="12"/>
+          </p:nvPr>
+        </p:nvSpPr>
+        <p:spPr/>
+        <p:txBody>
+          <a:bodyPr/>
+          <a:lstStyle/>
+          <a:p>
+            <a:fld id="{2066355A-084C-D24E-9AD2-7E4FC41EA627}" type="slidenum">
+              <a:rPr lang="en-US" smtClean="0"/>
+              <a:t>5</a:t>
+            </a:fld>
+            <a:endParaRPr lang="en-US"/>
+          </a:p>
+        </p:txBody>
+      </p:sp>
+      <p:grpSp>
+        <p:nvGrpSpPr>
+          <p:cNvPr id="26" name="図形グループ 25"/>
+          <p:cNvGrpSpPr/>
+          <p:nvPr/>
+        </p:nvGrpSpPr>
+        <p:grpSpPr>
+          <a:xfrm>
+            <a:off x="811631" y="5370392"/>
+            <a:ext cx="7725192" cy="954107"/>
+            <a:chOff x="457200" y="5047840"/>
+            <a:chExt cx="7725192" cy="954107"/>
+          </a:xfrm>
+        </p:grpSpPr>
+        <p:sp>
+          <p:nvSpPr>
+            <p:cNvPr id="24" name="テキスト ボックス 23"/>
+            <p:cNvSpPr txBox="1"/>
+            <p:nvPr/>
+          </p:nvSpPr>
+          <p:spPr>
+            <a:xfrm>
+              <a:off x="457200" y="5047840"/>
+              <a:ext cx="7725192" cy="954107"/>
+            </a:xfrm>
+            <a:prstGeom prst="rect">
+              <a:avLst/>
+            </a:prstGeom>
+            <a:noFill/>
+          </p:spPr>
+          <p:txBody>
+            <a:bodyPr wrap="none" rtlCol="0">
+              <a:spAutoFit/>
+            </a:bodyPr>
+            <a:lstStyle/>
+            <a:p>
+              <a:r>
+                <a:rPr kumimoji="1" lang="ja-JP" altLang="en-US" sz="2800" dirty="0" smtClean="0"/>
+                <a:t>惑星</a:t>
+              </a:r>
+              <a:r>
+                <a:rPr kumimoji="1" lang="ja-JP" altLang="en-US" sz="2800" dirty="0" smtClean="0"/>
+                <a:t>の</a:t>
+              </a:r>
+              <a:r>
+                <a:rPr kumimoji="1" lang="ja-JP" altLang="en-US" sz="2800" u="sng" dirty="0" smtClean="0"/>
+                <a:t>昇交</a:t>
+              </a:r>
+              <a:r>
+                <a:rPr kumimoji="1" lang="ja-JP" altLang="en-US" sz="2800" u="sng" dirty="0" smtClean="0"/>
+                <a:t>点</a:t>
+              </a:r>
+              <a:r>
+                <a:rPr kumimoji="1" lang="ja-JP" altLang="en-US" sz="2800" dirty="0"/>
+                <a:t>移動</a:t>
+              </a:r>
+              <a:r>
+                <a:rPr kumimoji="1" lang="ja-JP" altLang="en-US" sz="2800" dirty="0" smtClean="0"/>
+                <a:t>速度と</a:t>
+              </a:r>
+              <a:endParaRPr kumimoji="1" lang="en-US" altLang="ja-JP" sz="2800" dirty="0" smtClean="0"/>
+            </a:p>
+            <a:p>
+              <a:r>
+                <a:rPr kumimoji="1" lang="ja-JP" altLang="en-US" sz="2800" dirty="0" smtClean="0"/>
+                <a:t>小天体</a:t>
+              </a:r>
+              <a:r>
+                <a:rPr kumimoji="1" lang="ja-JP" altLang="en-US" sz="2800" dirty="0" smtClean="0"/>
+                <a:t>の</a:t>
+              </a:r>
+              <a:r>
+                <a:rPr kumimoji="1" lang="ja-JP" altLang="en-US" sz="2800" u="sng" dirty="0"/>
+                <a:t>昇交点</a:t>
+              </a:r>
+              <a:r>
+                <a:rPr kumimoji="1" lang="ja-JP" altLang="en-US" sz="2800" dirty="0" smtClean="0"/>
+                <a:t>移動</a:t>
+              </a:r>
+              <a:r>
+                <a:rPr kumimoji="1" lang="ja-JP" altLang="en-US" sz="2800" dirty="0"/>
+                <a:t>速度が</a:t>
+              </a:r>
+              <a:r>
+                <a:rPr kumimoji="1" lang="ja-JP" altLang="en-US" sz="2800" dirty="0" smtClean="0"/>
+                <a:t>一致</a:t>
+              </a:r>
+              <a:r>
+                <a:rPr kumimoji="1" lang="ja-JP" altLang="en-US" sz="2800" dirty="0" smtClean="0"/>
+                <a:t>　　傾斜角上昇</a:t>
+              </a:r>
+              <a:endParaRPr kumimoji="1" lang="ja-JP" altLang="en-US" sz="2800" dirty="0"/>
+            </a:p>
+          </p:txBody>
+        </p:sp>
+        <p:sp>
+          <p:nvSpPr>
+            <p:cNvPr id="23" name="右矢印 22"/>
+            <p:cNvSpPr/>
+            <p:nvPr/>
+          </p:nvSpPr>
+          <p:spPr>
+            <a:xfrm>
+              <a:off x="5652463" y="5606728"/>
+              <a:ext cx="507336" cy="272153"/>
+            </a:xfrm>
+            <a:prstGeom prst="rightArrow">
+              <a:avLst>
+                <a:gd name="adj1" fmla="val 16732"/>
+                <a:gd name="adj2" fmla="val 80881"/>
+              </a:avLst>
+            </a:prstGeom>
+            <a:solidFill>
+              <a:schemeClr val="bg1"/>
+            </a:solidFill>
+            <a:ln w="19050" cmpd="sng">
+              <a:solidFill>
+                <a:srgbClr val="000000"/>
+              </a:solidFill>
+            </a:ln>
+            <a:effectLst/>
+          </p:spPr>
+          <p:style>
+            <a:lnRef idx="1">
+              <a:schemeClr val="accent1"/>
+            </a:lnRef>
+            <a:fillRef idx="3">
+              <a:schemeClr val="accent1"/>
+            </a:fillRef>
+            <a:effectRef idx="2">
+              <a:schemeClr val="accent1"/>
+            </a:effectRef>
+            <a:fontRef idx="minor">
+              <a:schemeClr val="lt1"/>
+            </a:fontRef>
+          </p:style>
+          <p:txBody>
+            <a:bodyPr rtlCol="0" anchor="ctr"/>
+            <a:lstStyle/>
+            <a:p>
+              <a:pPr algn="ctr"/>
+              <a:endParaRPr kumimoji="1" lang="ja-JP" altLang="en-US" dirty="0"/>
+            </a:p>
+          </p:txBody>
+        </p:sp>
+      </p:grpSp>
+      <p:sp>
+        <p:nvSpPr>
+          <p:cNvPr id="2" name="タイトル 1"/>
+          <p:cNvSpPr>
+            <a:spLocks noGrp="1"/>
+          </p:cNvSpPr>
+          <p:nvPr>
+            <p:ph type="title"/>
+          </p:nvPr>
+        </p:nvSpPr>
+        <p:spPr/>
+        <p:txBody>
+          <a:bodyPr/>
+          <a:lstStyle/>
+          <a:p>
+            <a:r>
+              <a:rPr kumimoji="1" lang="ja-JP" altLang="en-US" dirty="0" smtClean="0"/>
+              <a:t>２種類の重要な共鳴</a:t>
+            </a:r>
+            <a:endParaRPr kumimoji="1" lang="ja-JP" altLang="en-US" dirty="0"/>
+          </a:p>
+        </p:txBody>
+      </p:sp>
+      <p:sp>
+        <p:nvSpPr>
+          <p:cNvPr id="6" name="テキスト ボックス 5"/>
+          <p:cNvSpPr txBox="1"/>
+          <p:nvPr/>
+        </p:nvSpPr>
+        <p:spPr>
+          <a:xfrm>
+            <a:off x="191498" y="1110623"/>
+            <a:ext cx="7686720" cy="523220"/>
+          </a:xfrm>
+          <a:prstGeom prst="rect">
+            <a:avLst/>
+          </a:prstGeom>
+          <a:noFill/>
+        </p:spPr>
+        <p:txBody>
+          <a:bodyPr wrap="none" rtlCol="0">
+            <a:spAutoFit/>
+          </a:bodyPr>
+          <a:lstStyle/>
+          <a:p>
+            <a:pPr marL="457200" indent="-457200">
+              <a:buFont typeface="Arial"/>
+              <a:buChar char="•"/>
+            </a:pPr>
+            <a:r>
+              <a:rPr kumimoji="1" lang="ja-JP" altLang="en-US" sz="2800" dirty="0" smtClean="0">
+                <a:solidFill>
+                  <a:srgbClr val="1F497D"/>
+                </a:solidFill>
+              </a:rPr>
+              <a:t>平均運動共鳴</a:t>
+            </a:r>
+            <a:r>
+              <a:rPr kumimoji="1" lang="ja-JP" altLang="en-US" sz="2800" dirty="0" smtClean="0"/>
+              <a:t>（</a:t>
+            </a:r>
+            <a:r>
+              <a:rPr kumimoji="1" lang="en-US" altLang="ja-JP" sz="2800" dirty="0" smtClean="0">
+                <a:latin typeface="+mn-ea"/>
+              </a:rPr>
+              <a:t>Mean Motion Resonance</a:t>
+            </a:r>
+            <a:r>
+              <a:rPr kumimoji="1" lang="ja-JP" altLang="en-US" sz="2800" dirty="0" smtClean="0">
+                <a:latin typeface="+mn-ea"/>
+              </a:rPr>
+              <a:t>）</a:t>
+            </a:r>
+            <a:endParaRPr kumimoji="1" lang="ja-JP" altLang="en-US" sz="2800" dirty="0">
+              <a:latin typeface="+mn-ea"/>
+            </a:endParaRPr>
+          </a:p>
+        </p:txBody>
+      </p:sp>
+      <p:sp>
+        <p:nvSpPr>
+          <p:cNvPr id="7" name="テキスト ボックス 6"/>
+          <p:cNvSpPr txBox="1"/>
+          <p:nvPr/>
+        </p:nvSpPr>
+        <p:spPr>
+          <a:xfrm>
+            <a:off x="191498" y="3731326"/>
+            <a:ext cx="5968301" cy="523220"/>
+          </a:xfrm>
+          <a:prstGeom prst="rect">
+            <a:avLst/>
+          </a:prstGeom>
+          <a:noFill/>
+        </p:spPr>
+        <p:txBody>
+          <a:bodyPr wrap="none" rtlCol="0">
+            <a:spAutoFit/>
+          </a:bodyPr>
+          <a:lstStyle/>
+          <a:p>
+            <a:pPr marL="457200" indent="-457200">
+              <a:buFont typeface="Arial"/>
+              <a:buChar char="•"/>
+            </a:pPr>
+            <a:r>
+              <a:rPr kumimoji="1" lang="ja-JP" altLang="en-US" sz="2800" dirty="0" smtClean="0">
+                <a:solidFill>
+                  <a:srgbClr val="1F497D"/>
+                </a:solidFill>
+              </a:rPr>
+              <a:t>永年共鳴</a:t>
+            </a:r>
+            <a:r>
+              <a:rPr kumimoji="1" lang="ja-JP" altLang="en-US" sz="2800" dirty="0" smtClean="0"/>
+              <a:t>（</a:t>
+            </a:r>
+            <a:r>
+              <a:rPr kumimoji="1" lang="en-US" altLang="ja-JP" sz="2800" dirty="0" smtClean="0">
+                <a:latin typeface="+mn-ea"/>
+              </a:rPr>
+              <a:t>Secular Resonance</a:t>
+            </a:r>
+            <a:r>
+              <a:rPr kumimoji="1" lang="ja-JP" altLang="en-US" sz="2800" dirty="0" smtClean="0">
+                <a:latin typeface="+mn-ea"/>
+              </a:rPr>
+              <a:t>）</a:t>
+            </a:r>
+            <a:endParaRPr kumimoji="1" lang="ja-JP" altLang="en-US" sz="2800" dirty="0">
+              <a:latin typeface="+mn-ea"/>
+            </a:endParaRPr>
+          </a:p>
+        </p:txBody>
+      </p:sp>
+      <p:pic>
+        <p:nvPicPr>
+          <p:cNvPr id="12" name="図 11" descr="latex-image-1.pdf"/>
+          <p:cNvPicPr>
+            <a:picLocks noChangeAspect="1"/>
+          </p:cNvPicPr>
+          <p:nvPr/>
+        </p:nvPicPr>
+        <p:blipFill>
+          <a:blip r:embed="rId2">
+            <a:extLst>
+              <a:ext uri="{28A0092B-C50C-407E-A947-70E740481C1C}">
+                <a14:useLocalDpi xmlns:a14="http://schemas.microsoft.com/office/drawing/2010/main" val="0"/>
+              </a:ext>
+            </a:extLst>
+          </a:blip>
+          <a:stretch>
+            <a:fillRect/>
+          </a:stretch>
+        </p:blipFill>
+        <p:spPr>
+          <a:xfrm>
+            <a:off x="6553200" y="2980949"/>
+            <a:ext cx="1930400" cy="469900"/>
+          </a:xfrm>
+          <a:prstGeom prst="rect">
+            <a:avLst/>
+          </a:prstGeom>
+        </p:spPr>
+      </p:pic>
+      <p:grpSp>
+        <p:nvGrpSpPr>
+          <p:cNvPr id="17" name="図形グループ 16"/>
+          <p:cNvGrpSpPr/>
+          <p:nvPr/>
+        </p:nvGrpSpPr>
+        <p:grpSpPr>
+          <a:xfrm>
+            <a:off x="457200" y="1734291"/>
+            <a:ext cx="7292500" cy="533300"/>
+            <a:chOff x="705764" y="1834512"/>
+            <a:chExt cx="7292500" cy="533300"/>
+          </a:xfrm>
+        </p:grpSpPr>
+        <p:grpSp>
+          <p:nvGrpSpPr>
+            <p:cNvPr id="15" name="図形グループ 14"/>
+            <p:cNvGrpSpPr/>
+            <p:nvPr/>
+          </p:nvGrpSpPr>
+          <p:grpSpPr>
+            <a:xfrm>
+              <a:off x="705764" y="1834512"/>
+              <a:ext cx="1885036" cy="523220"/>
+              <a:chOff x="1481585" y="1834512"/>
+              <a:chExt cx="1885036" cy="523220"/>
+            </a:xfrm>
+          </p:grpSpPr>
+          <p:sp>
+            <p:nvSpPr>
+              <p:cNvPr id="8" name="テキスト ボックス 7"/>
+              <p:cNvSpPr txBox="1"/>
+              <p:nvPr/>
+            </p:nvSpPr>
+            <p:spPr>
+              <a:xfrm>
+                <a:off x="1481585" y="1834512"/>
+                <a:ext cx="1620957" cy="523220"/>
+              </a:xfrm>
+              <a:prstGeom prst="rect">
+                <a:avLst/>
+              </a:prstGeom>
+              <a:noFill/>
+            </p:spPr>
+            <p:txBody>
+              <a:bodyPr wrap="none" rtlCol="0">
+                <a:spAutoFit/>
+              </a:bodyPr>
+              <a:lstStyle/>
+              <a:p>
+                <a:r>
+                  <a:rPr kumimoji="1" lang="ja-JP" altLang="en-US" sz="2800" dirty="0" smtClean="0"/>
+                  <a:t>平均運動</a:t>
+                </a:r>
+                <a:r>
+                  <a:rPr kumimoji="1" lang="en-US" altLang="ja-JP" sz="2800" dirty="0" smtClean="0"/>
+                  <a:t> </a:t>
+                </a:r>
+                <a:endParaRPr kumimoji="1" lang="ja-JP" altLang="en-US" sz="2800" dirty="0"/>
+              </a:p>
+            </p:txBody>
+          </p:sp>
+          <p:pic>
+            <p:nvPicPr>
+              <p:cNvPr id="10" name="図 9" descr="latex-image-1.pdf"/>
+              <p:cNvPicPr>
+                <a:picLocks noChangeAspect="1"/>
+              </p:cNvPicPr>
+              <p:nvPr/>
+            </p:nvPicPr>
+            <p:blipFill>
+              <a:blip r:embed="rId3">
+                <a:extLst>
+                  <a:ext uri="{28A0092B-C50C-407E-A947-70E740481C1C}">
+                    <a14:useLocalDpi xmlns:a14="http://schemas.microsoft.com/office/drawing/2010/main" val="0"/>
+                  </a:ext>
+                </a:extLst>
+              </a:blip>
+              <a:stretch>
+                <a:fillRect/>
+              </a:stretch>
+            </p:blipFill>
+            <p:spPr>
+              <a:xfrm>
+                <a:off x="3112621" y="1998716"/>
+                <a:ext cx="254000" cy="215900"/>
+              </a:xfrm>
+              <a:prstGeom prst="rect">
+                <a:avLst/>
+              </a:prstGeom>
+            </p:spPr>
+          </p:pic>
+        </p:grpSp>
+        <p:grpSp>
+          <p:nvGrpSpPr>
+            <p:cNvPr id="16" name="図形グループ 15"/>
+            <p:cNvGrpSpPr/>
+            <p:nvPr/>
+          </p:nvGrpSpPr>
+          <p:grpSpPr>
+            <a:xfrm>
+              <a:off x="2427508" y="1844592"/>
+              <a:ext cx="5570756" cy="523220"/>
+              <a:chOff x="2741735" y="1834512"/>
+              <a:chExt cx="5570756" cy="523220"/>
+            </a:xfrm>
+          </p:grpSpPr>
+          <p:sp>
+            <p:nvSpPr>
+              <p:cNvPr id="11" name="テキスト ボックス 10"/>
+              <p:cNvSpPr txBox="1"/>
+              <p:nvPr/>
+            </p:nvSpPr>
+            <p:spPr>
+              <a:xfrm>
+                <a:off x="2741735" y="1834512"/>
+                <a:ext cx="5570756" cy="523220"/>
+              </a:xfrm>
+              <a:prstGeom prst="rect">
+                <a:avLst/>
+              </a:prstGeom>
+              <a:noFill/>
+            </p:spPr>
+            <p:txBody>
+              <a:bodyPr wrap="none" rtlCol="0">
+                <a:spAutoFit/>
+              </a:bodyPr>
+              <a:lstStyle/>
+              <a:p>
+                <a:r>
+                  <a:rPr kumimoji="1" lang="ja-JP" altLang="en-US" sz="2800" dirty="0" smtClean="0"/>
+                  <a:t>（または軌道周期　　）</a:t>
+                </a:r>
+                <a:r>
+                  <a:rPr kumimoji="1" lang="ja-JP" altLang="en-US" sz="2800" dirty="0" smtClean="0"/>
+                  <a:t>が</a:t>
+                </a:r>
+                <a:r>
+                  <a:rPr kumimoji="1" lang="ja-JP" altLang="en-US" sz="2800" dirty="0" smtClean="0"/>
+                  <a:t>整数比</a:t>
+                </a:r>
+                <a:endParaRPr kumimoji="1" lang="en-US" altLang="ja-JP" sz="2800" dirty="0"/>
+              </a:p>
+            </p:txBody>
+          </p:sp>
+          <p:pic>
+            <p:nvPicPr>
+              <p:cNvPr id="13" name="図 12" descr="latex-image-1.pdf"/>
+              <p:cNvPicPr>
+                <a:picLocks noChangeAspect="1"/>
+              </p:cNvPicPr>
+              <p:nvPr/>
+            </p:nvPicPr>
+            <p:blipFill>
+              <a:blip r:embed="rId4">
+                <a:extLst>
+                  <a:ext uri="{28A0092B-C50C-407E-A947-70E740481C1C}">
+                    <a14:useLocalDpi xmlns:a14="http://schemas.microsoft.com/office/drawing/2010/main" val="0"/>
+                  </a:ext>
+                </a:extLst>
+              </a:blip>
+              <a:stretch>
+                <a:fillRect/>
+              </a:stretch>
+            </p:blipFill>
+            <p:spPr>
+              <a:xfrm>
+                <a:off x="5858695" y="1953960"/>
+                <a:ext cx="330200" cy="317500"/>
+              </a:xfrm>
+              <a:prstGeom prst="rect">
+                <a:avLst/>
+              </a:prstGeom>
+            </p:spPr>
+          </p:pic>
+        </p:grpSp>
+      </p:grpSp>
+      <p:pic>
+        <p:nvPicPr>
+          <p:cNvPr id="19" name="図 18" descr="latex-image-1.pdf"/>
+          <p:cNvPicPr>
+            <a:picLocks noChangeAspect="1"/>
+          </p:cNvPicPr>
+          <p:nvPr/>
+        </p:nvPicPr>
+        <p:blipFill>
+          <a:blip r:embed="rId5">
+            <a:extLst>
+              <a:ext uri="{28A0092B-C50C-407E-A947-70E740481C1C}">
+                <a14:useLocalDpi xmlns:a14="http://schemas.microsoft.com/office/drawing/2010/main" val="0"/>
+              </a:ext>
+            </a:extLst>
+          </a:blip>
+          <a:stretch>
+            <a:fillRect/>
+          </a:stretch>
+        </p:blipFill>
+        <p:spPr>
+          <a:xfrm>
+            <a:off x="5904658" y="2311695"/>
+            <a:ext cx="2997200" cy="571500"/>
+          </a:xfrm>
+          <a:prstGeom prst="rect">
+            <a:avLst/>
+          </a:prstGeom>
+        </p:spPr>
+      </p:pic>
+      <p:sp>
+        <p:nvSpPr>
+          <p:cNvPr id="20" name="テキスト ボックス 19"/>
+          <p:cNvSpPr txBox="1"/>
+          <p:nvPr/>
+        </p:nvSpPr>
+        <p:spPr>
+          <a:xfrm>
+            <a:off x="1293121" y="2311695"/>
+            <a:ext cx="4493538" cy="954107"/>
+          </a:xfrm>
+          <a:prstGeom prst="rect">
+            <a:avLst/>
+          </a:prstGeom>
+          <a:noFill/>
+        </p:spPr>
+        <p:txBody>
+          <a:bodyPr wrap="none" rtlCol="0">
+            <a:spAutoFit/>
+          </a:bodyPr>
+          <a:lstStyle/>
+          <a:p>
+            <a:r>
+              <a:rPr kumimoji="1" lang="ja-JP" altLang="en-US" sz="2800" dirty="0" smtClean="0"/>
+              <a:t>例）海王星が３周する間に</a:t>
+            </a:r>
+            <a:endParaRPr kumimoji="1" lang="en-US" altLang="ja-JP" sz="2800" dirty="0" smtClean="0"/>
+          </a:p>
+          <a:p>
+            <a:r>
+              <a:rPr kumimoji="1" lang="ja-JP" altLang="ja-JP" sz="2800" dirty="0"/>
+              <a:t>　</a:t>
+            </a:r>
+            <a:r>
+              <a:rPr kumimoji="1" lang="ja-JP" altLang="en-US" sz="2800" dirty="0" smtClean="0"/>
+              <a:t>　</a:t>
+            </a:r>
+            <a:r>
+              <a:rPr kumimoji="1" lang="ja-JP" altLang="en-US" sz="2800" dirty="0" smtClean="0"/>
+              <a:t>冥王星</a:t>
+            </a:r>
+            <a:r>
+              <a:rPr kumimoji="1" lang="ja-JP" altLang="en-US" sz="2800" dirty="0" smtClean="0"/>
+              <a:t>は２周している</a:t>
+            </a:r>
+            <a:endParaRPr kumimoji="1" lang="en-US" altLang="ja-JP" sz="2800" dirty="0" smtClean="0"/>
+          </a:p>
+        </p:txBody>
+      </p:sp>
+      <p:grpSp>
+        <p:nvGrpSpPr>
+          <p:cNvPr id="25" name="図形グループ 24"/>
+          <p:cNvGrpSpPr/>
+          <p:nvPr/>
+        </p:nvGrpSpPr>
+        <p:grpSpPr>
+          <a:xfrm>
+            <a:off x="811631" y="4244929"/>
+            <a:ext cx="7725192" cy="954107"/>
+            <a:chOff x="457200" y="3908160"/>
+            <a:chExt cx="7725192" cy="954107"/>
+          </a:xfrm>
+        </p:grpSpPr>
+        <p:sp>
+          <p:nvSpPr>
+            <p:cNvPr id="18" name="テキスト ボックス 17"/>
+            <p:cNvSpPr txBox="1"/>
+            <p:nvPr/>
+          </p:nvSpPr>
+          <p:spPr>
+            <a:xfrm>
+              <a:off x="457200" y="3908160"/>
+              <a:ext cx="7725192" cy="954107"/>
+            </a:xfrm>
+            <a:prstGeom prst="rect">
+              <a:avLst/>
+            </a:prstGeom>
+            <a:noFill/>
+          </p:spPr>
+          <p:txBody>
+            <a:bodyPr wrap="none" rtlCol="0">
+              <a:spAutoFit/>
+            </a:bodyPr>
+            <a:lstStyle/>
+            <a:p>
+              <a:r>
+                <a:rPr kumimoji="1" lang="ja-JP" altLang="en-US" sz="2800" dirty="0" smtClean="0"/>
+                <a:t>惑星の</a:t>
+              </a:r>
+              <a:r>
+                <a:rPr kumimoji="1" lang="ja-JP" altLang="en-US" sz="2800" u="sng" dirty="0" smtClean="0"/>
+                <a:t>近日点</a:t>
+              </a:r>
+              <a:r>
+                <a:rPr kumimoji="1" lang="ja-JP" altLang="en-US" sz="2800" dirty="0" smtClean="0"/>
+                <a:t>移動速度と</a:t>
+              </a:r>
+              <a:endParaRPr kumimoji="1" lang="en-US" altLang="ja-JP" sz="2800" dirty="0" smtClean="0"/>
+            </a:p>
+            <a:p>
+              <a:r>
+                <a:rPr kumimoji="1" lang="ja-JP" altLang="en-US" sz="2800" dirty="0" smtClean="0"/>
+                <a:t>小天体の</a:t>
+              </a:r>
+              <a:r>
+                <a:rPr kumimoji="1" lang="ja-JP" altLang="en-US" sz="2800" u="sng" dirty="0" smtClean="0"/>
+                <a:t>近日点</a:t>
+              </a:r>
+              <a:r>
+                <a:rPr kumimoji="1" lang="ja-JP" altLang="en-US" sz="2800" dirty="0" smtClean="0"/>
+                <a:t>移動速度が一致　　離心率上昇</a:t>
+              </a:r>
+              <a:endParaRPr kumimoji="1" lang="ja-JP" altLang="en-US" sz="2800" dirty="0"/>
+            </a:p>
+          </p:txBody>
+        </p:sp>
+        <p:sp>
+          <p:nvSpPr>
+            <p:cNvPr id="21" name="右矢印 20"/>
+            <p:cNvSpPr/>
+            <p:nvPr/>
+          </p:nvSpPr>
+          <p:spPr>
+            <a:xfrm>
+              <a:off x="5652463" y="4465322"/>
+              <a:ext cx="507336" cy="272153"/>
+            </a:xfrm>
+            <a:prstGeom prst="rightArrow">
+              <a:avLst>
+                <a:gd name="adj1" fmla="val 16732"/>
+                <a:gd name="adj2" fmla="val 80881"/>
+              </a:avLst>
+            </a:prstGeom>
+            <a:solidFill>
+              <a:schemeClr val="bg1"/>
+            </a:solidFill>
+            <a:ln w="19050" cmpd="sng">
+              <a:solidFill>
+                <a:srgbClr val="000000"/>
+              </a:solidFill>
+            </a:ln>
+            <a:effectLst/>
+          </p:spPr>
+          <p:style>
+            <a:lnRef idx="1">
+              <a:schemeClr val="accent1"/>
+            </a:lnRef>
+            <a:fillRef idx="3">
+              <a:schemeClr val="accent1"/>
+            </a:fillRef>
+            <a:effectRef idx="2">
+              <a:schemeClr val="accent1"/>
+            </a:effectRef>
+            <a:fontRef idx="minor">
+              <a:schemeClr val="lt1"/>
+            </a:fontRef>
+          </p:style>
+          <p:txBody>
+            <a:bodyPr rtlCol="0" anchor="ctr"/>
+            <a:lstStyle/>
+            <a:p>
+              <a:pPr algn="ctr"/>
+              <a:endParaRPr kumimoji="1" lang="ja-JP" altLang="en-US" dirty="0"/>
+            </a:p>
+          </p:txBody>
+        </p:sp>
+      </p:grpSp>
+      <p:sp>
+        <p:nvSpPr>
+          <p:cNvPr id="27" name="テキスト ボックス 26"/>
+          <p:cNvSpPr txBox="1"/>
+          <p:nvPr/>
+        </p:nvSpPr>
+        <p:spPr>
+          <a:xfrm>
+            <a:off x="6159799" y="3747035"/>
+            <a:ext cx="2968197" cy="523220"/>
+          </a:xfrm>
+          <a:prstGeom prst="rect">
+            <a:avLst/>
+          </a:prstGeom>
+          <a:noFill/>
+        </p:spPr>
+        <p:txBody>
+          <a:bodyPr wrap="none" rtlCol="0">
+            <a:spAutoFit/>
+          </a:bodyPr>
+          <a:lstStyle/>
+          <a:p>
+            <a:r>
+              <a:rPr kumimoji="1" lang="en-US" altLang="ja-JP" sz="2800" dirty="0" smtClean="0">
+                <a:latin typeface="+mn-ea"/>
+              </a:rPr>
+              <a:t>10</a:t>
+            </a:r>
+            <a:r>
+              <a:rPr kumimoji="1" lang="en-US" altLang="ja-JP" sz="2800" baseline="30000" dirty="0" smtClean="0">
+                <a:latin typeface="+mn-ea"/>
+              </a:rPr>
+              <a:t>5</a:t>
+            </a:r>
+            <a:r>
+              <a:rPr kumimoji="1" lang="ja-JP" altLang="en-US" sz="2800" dirty="0" smtClean="0">
+                <a:latin typeface="+mn-ea"/>
+              </a:rPr>
+              <a:t>年のオーダー</a:t>
+            </a:r>
+            <a:endParaRPr kumimoji="1" lang="ja-JP" altLang="en-US" sz="2800" dirty="0">
+              <a:latin typeface="+mn-ea"/>
+            </a:endParaRPr>
+          </a:p>
+        </p:txBody>
+      </p:sp>
+      <p:sp>
+        <p:nvSpPr>
+          <p:cNvPr id="28" name="右矢印 27"/>
+          <p:cNvSpPr/>
+          <p:nvPr/>
+        </p:nvSpPr>
+        <p:spPr>
+          <a:xfrm>
+            <a:off x="898155" y="3366169"/>
+            <a:ext cx="507336" cy="272153"/>
+          </a:xfrm>
+          <a:prstGeom prst="rightArrow">
+            <a:avLst>
+              <a:gd name="adj1" fmla="val 16732"/>
+              <a:gd name="adj2" fmla="val 80881"/>
+            </a:avLst>
+          </a:prstGeom>
+          <a:solidFill>
+            <a:schemeClr val="bg1"/>
+          </a:solidFill>
+          <a:ln w="19050" cmpd="sng">
+            <a:solidFill>
+              <a:srgbClr val="000000"/>
+            </a:solidFill>
+          </a:ln>
+          <a:effectLst/>
+        </p:spPr>
+        <p:style>
+          <a:lnRef idx="1">
+            <a:schemeClr val="accent1"/>
+          </a:lnRef>
+          <a:fillRef idx="3">
+            <a:schemeClr val="accent1"/>
+          </a:fillRef>
+          <a:effectRef idx="2">
+            <a:schemeClr val="accent1"/>
+          </a:effectRef>
+          <a:fontRef idx="minor">
+            <a:schemeClr val="lt1"/>
+          </a:fontRef>
+        </p:style>
+        <p:txBody>
+          <a:bodyPr rtlCol="0" anchor="ctr"/>
+          <a:lstStyle/>
+          <a:p>
+            <a:pPr algn="ctr"/>
+            <a:endParaRPr kumimoji="1" lang="ja-JP" altLang="en-US" dirty="0"/>
+          </a:p>
+        </p:txBody>
+      </p:sp>
+      <p:sp>
+        <p:nvSpPr>
+          <p:cNvPr id="29" name="テキスト ボックス 28"/>
+          <p:cNvSpPr txBox="1"/>
+          <p:nvPr/>
+        </p:nvSpPr>
+        <p:spPr>
+          <a:xfrm>
+            <a:off x="1501742" y="3226442"/>
+            <a:ext cx="3416320" cy="523220"/>
+          </a:xfrm>
+          <a:prstGeom prst="rect">
+            <a:avLst/>
+          </a:prstGeom>
+          <a:noFill/>
+        </p:spPr>
+        <p:txBody>
+          <a:bodyPr wrap="none" rtlCol="0">
+            <a:spAutoFit/>
+          </a:bodyPr>
+          <a:lstStyle/>
+          <a:p>
+            <a:r>
+              <a:rPr kumimoji="1" lang="ja-JP" altLang="en-US" sz="2800" dirty="0" smtClean="0"/>
+              <a:t>離心率，傾斜角上昇</a:t>
+            </a:r>
+            <a:endParaRPr kumimoji="1" lang="ja-JP" altLang="en-US" sz="2800" dirty="0"/>
+          </a:p>
+        </p:txBody>
+      </p:sp>
+    </p:spTree>
+    <p:extLst>
+      <p:ext uri="{BB962C8B-B14F-4D97-AF65-F5344CB8AC3E}">
+        <p14:creationId xmlns:p14="http://schemas.microsoft.com/office/powerpoint/2010/main" val="2574778809"/>
+      </p:ext>
+    </p:extLst>
+  </p:cSld>
+  <p:clrMapOvr>
+    <a:masterClrMapping/>
+  </p:clrMapOvr>
+  <p:timing>
+    <p:tnLst>
+      <p:par>
+        <p:cTn xmlns:p14="http://schemas.microsoft.com/office/powerpoint/2010/main" id="1" dur="indefinite" restart="never" nodeType="tmRoot"/>
+      </p:par>
+    </p:tnLst>
+  </p:timing>
+</p:sld>
+</file>
+
+<file path=ppt/slides/slide6.xml><?xml version="1.0" encoding="utf-8"?>
+<p:sld xmlns:a="http://schemas.openxmlformats.org/drawingml/2006/main" xmlns:r="http://schemas.openxmlformats.org/officeDocument/2006/relationships" xmlns:p="http://schemas.openxmlformats.org/presentationml/2006/main">
+  <p:cSld>
+    <p:spTree>
+      <p:nvGrpSpPr>
+        <p:cNvPr id="1" name=""/>
+        <p:cNvGrpSpPr/>
+        <p:nvPr/>
+      </p:nvGrpSpPr>
+      <p:grpSpPr>
+        <a:xfrm>
+          <a:off x="0" y="0"/>
+          <a:ext cx="0" cy="0"/>
+          <a:chOff x="0" y="0"/>
+          <a:chExt cx="0" cy="0"/>
+        </a:xfrm>
+      </p:grpSpPr>
+      <p:sp>
+        <p:nvSpPr>
+          <p:cNvPr id="2" name="タイトル 1"/>
+          <p:cNvSpPr>
+            <a:spLocks noGrp="1"/>
+          </p:cNvSpPr>
+          <p:nvPr>
+            <p:ph type="title"/>
+          </p:nvPr>
+        </p:nvSpPr>
+        <p:spPr/>
+        <p:txBody>
+          <a:bodyPr/>
+          <a:lstStyle/>
+          <a:p>
             <a:endParaRPr kumimoji="1" lang="ja-JP" altLang="en-US" dirty="0"/>
           </a:p>
         </p:txBody>
@@ -4265,7 +6574,7 @@
           <a:p>
             <a:fld id="{2066355A-084C-D24E-9AD2-7E4FC41EA627}" type="slidenum">
               <a:rPr lang="en-US" smtClean="0"/>
-              <a:t>3</a:t>
+              <a:t>6</a:t>
             </a:fld>
             <a:endParaRPr lang="en-US"/>
           </a:p>
@@ -4308,10 +6617,17 @@
   <p:clrMapOvr>
     <a:masterClrMapping/>
   </p:clrMapOvr>
+  <p:timing>
+    <p:tnLst>
+      <p:par>
+        <p:cTn xmlns:p14="http://schemas.microsoft.com/office/powerpoint/2010/main" id="1" dur="indefinite" restart="never" nodeType="tmRoot"/>
+      </p:par>
+    </p:tnLst>
+  </p:timing>
 </p:sld>
 </file>
 
-<file path=ppt/slides/slide4.xml><?xml version="1.0" encoding="utf-8"?>
+<file path=ppt/slides/slide7.xml><?xml version="1.0" encoding="utf-8"?>
 <p:sld xmlns:a="http://schemas.openxmlformats.org/drawingml/2006/main" xmlns:r="http://schemas.openxmlformats.org/officeDocument/2006/relationships" xmlns:p="http://schemas.openxmlformats.org/presentationml/2006/main">
   <p:cSld>
     <p:spTree>
@@ -4499,7 +6815,7 @@
           <a:p>
             <a:fld id="{2066355A-084C-D24E-9AD2-7E4FC41EA627}" type="slidenum">
               <a:rPr lang="en-US" smtClean="0"/>
-              <a:t>4</a:t>
+              <a:t>7</a:t>
             </a:fld>
             <a:endParaRPr lang="en-US"/>
           </a:p>
@@ -4542,10 +6858,17 @@
   <p:clrMapOvr>
     <a:masterClrMapping/>
   </p:clrMapOvr>
+  <p:timing>
+    <p:tnLst>
+      <p:par>
+        <p:cTn xmlns:p14="http://schemas.microsoft.com/office/powerpoint/2010/main" id="1" dur="indefinite" restart="never" nodeType="tmRoot"/>
+      </p:par>
+    </p:tnLst>
+  </p:timing>
 </p:sld>
 </file>
 
-<file path=ppt/slides/slide5.xml><?xml version="1.0" encoding="utf-8"?>
+<file path=ppt/slides/slide8.xml><?xml version="1.0" encoding="utf-8"?>
 <p:sld xmlns:a="http://schemas.openxmlformats.org/drawingml/2006/main" xmlns:r="http://schemas.openxmlformats.org/officeDocument/2006/relationships" xmlns:p="http://schemas.openxmlformats.org/presentationml/2006/main">
   <p:cSld>
     <p:spTree>
@@ -4598,7 +6921,7 @@
           <a:p>
             <a:fld id="{2066355A-084C-D24E-9AD2-7E4FC41EA627}" type="slidenum">
               <a:rPr lang="en-US" smtClean="0"/>
-              <a:t>5</a:t>
+              <a:t>8</a:t>
             </a:fld>
             <a:endParaRPr lang="en-US"/>
           </a:p>
@@ -4641,10 +6964,17 @@
   <p:clrMapOvr>
     <a:masterClrMapping/>
   </p:clrMapOvr>
+  <p:timing>
+    <p:tnLst>
+      <p:par>
+        <p:cTn xmlns:p14="http://schemas.microsoft.com/office/powerpoint/2010/main" id="1" dur="indefinite" restart="never" nodeType="tmRoot"/>
+      </p:par>
+    </p:tnLst>
+  </p:timing>
 </p:sld>
 </file>
 
-<file path=ppt/slides/slide6.xml><?xml version="1.0" encoding="utf-8"?>
+<file path=ppt/slides/slide9.xml><?xml version="1.0" encoding="utf-8"?>
 <p:sld xmlns:a="http://schemas.openxmlformats.org/drawingml/2006/main" xmlns:r="http://schemas.openxmlformats.org/officeDocument/2006/relationships" xmlns:p="http://schemas.openxmlformats.org/presentationml/2006/main">
   <p:cSld>
     <p:spTree>
@@ -4727,7 +7057,7 @@
           <a:p>
             <a:fld id="{2066355A-084C-D24E-9AD2-7E4FC41EA627}" type="slidenum">
               <a:rPr lang="en-US" smtClean="0"/>
-              <a:t>6</a:t>
+              <a:t>9</a:t>
             </a:fld>
             <a:endParaRPr lang="en-US"/>
           </a:p>
@@ -4770,135 +7100,13 @@
   <p:clrMapOvr>
     <a:masterClrMapping/>
   </p:clrMapOvr>
-</p:sld>
-</file>
-
-<file path=ppt/slides/slide7.xml><?xml version="1.0" encoding="utf-8"?>
-<p:sld xmlns:a="http://schemas.openxmlformats.org/drawingml/2006/main" xmlns:r="http://schemas.openxmlformats.org/officeDocument/2006/relationships" xmlns:p="http://schemas.openxmlformats.org/presentationml/2006/main">
-  <p:cSld>
-    <p:spTree>
-      <p:nvGrpSpPr>
-        <p:cNvPr id="1" name=""/>
-        <p:cNvGrpSpPr/>
-        <p:nvPr/>
-      </p:nvGrpSpPr>
-      <p:grpSpPr>
-        <a:xfrm>
-          <a:off x="0" y="0"/>
-          <a:ext cx="0" cy="0"/>
-          <a:chOff x="0" y="0"/>
-          <a:chExt cx="0" cy="0"/>
-        </a:xfrm>
-      </p:grpSpPr>
-      <p:sp>
-        <p:nvSpPr>
-          <p:cNvPr id="2" name="タイトル 1"/>
-          <p:cNvSpPr>
-            <a:spLocks noGrp="1"/>
-          </p:cNvSpPr>
-          <p:nvPr>
-            <p:ph type="title"/>
-          </p:nvPr>
-        </p:nvSpPr>
-        <p:spPr/>
-        <p:txBody>
-          <a:bodyPr/>
-          <a:lstStyle/>
-          <a:p>
-            <a:endParaRPr kumimoji="1" lang="ja-JP" altLang="en-US" dirty="0"/>
-          </a:p>
-        </p:txBody>
-      </p:sp>
-      <p:pic>
-        <p:nvPicPr>
-          <p:cNvPr id="6" name="図 5" descr="PrecessionRate_B.pdf"/>
-          <p:cNvPicPr>
-            <a:picLocks noChangeAspect="1"/>
-          </p:cNvPicPr>
-          <p:nvPr/>
-        </p:nvPicPr>
-        <p:blipFill>
-          <a:blip r:embed="rId2">
-            <a:extLst>
-              <a:ext uri="{28A0092B-C50C-407E-A947-70E740481C1C}">
-                <a14:useLocalDpi xmlns:a14="http://schemas.microsoft.com/office/drawing/2010/main" val="0"/>
-              </a:ext>
-            </a:extLst>
-          </a:blip>
-          <a:stretch>
-            <a:fillRect/>
-          </a:stretch>
-        </p:blipFill>
-        <p:spPr>
-          <a:xfrm>
-            <a:off x="1158119" y="1417638"/>
-            <a:ext cx="6772963" cy="4755485"/>
-          </a:xfrm>
-          <a:prstGeom prst="rect">
-            <a:avLst/>
-          </a:prstGeom>
-        </p:spPr>
-      </p:pic>
-      <p:sp>
-        <p:nvSpPr>
-          <p:cNvPr id="3" name="スライド番号プレースホルダー 2"/>
-          <p:cNvSpPr>
-            <a:spLocks noGrp="1"/>
-          </p:cNvSpPr>
-          <p:nvPr>
-            <p:ph type="sldNum" sz="quarter" idx="12"/>
-          </p:nvPr>
-        </p:nvSpPr>
-        <p:spPr/>
-        <p:txBody>
-          <a:bodyPr/>
-          <a:lstStyle/>
-          <a:p>
-            <a:fld id="{2066355A-084C-D24E-9AD2-7E4FC41EA627}" type="slidenum">
-              <a:rPr lang="en-US" smtClean="0"/>
-              <a:t>7</a:t>
-            </a:fld>
-            <a:endParaRPr lang="en-US"/>
-          </a:p>
-        </p:txBody>
-      </p:sp>
-      <p:sp>
-        <p:nvSpPr>
-          <p:cNvPr id="4" name="日付プレースホルダー 3"/>
-          <p:cNvSpPr>
-            <a:spLocks noGrp="1"/>
-          </p:cNvSpPr>
-          <p:nvPr>
-            <p:ph type="dt" sz="half" idx="10"/>
-          </p:nvPr>
-        </p:nvSpPr>
-        <p:spPr/>
-        <p:txBody>
-          <a:bodyPr/>
-          <a:lstStyle/>
-          <a:p>
-            <a:r>
-              <a:rPr lang="en-US" altLang="ja-JP" smtClean="0"/>
-              <a:t>2017/02/16 </a:t>
-            </a:r>
-            <a:r>
-              <a:rPr lang="ja-JP" altLang="en-US" smtClean="0"/>
-              <a:t>卒論発表</a:t>
-            </a:r>
-            <a:endParaRPr lang="en-US"/>
-          </a:p>
-        </p:txBody>
-      </p:sp>
-    </p:spTree>
-    <p:extLst>
-      <p:ext uri="{BB962C8B-B14F-4D97-AF65-F5344CB8AC3E}">
-        <p14:creationId xmlns:p14="http://schemas.microsoft.com/office/powerpoint/2010/main" val="3821669769"/>
-      </p:ext>
-    </p:extLst>
-  </p:cSld>
-  <p:clrMapOvr>
-    <a:masterClrMapping/>
-  </p:clrMapOvr>
+  <p:timing>
+    <p:tnLst>
+      <p:par>
+        <p:cTn xmlns:p14="http://schemas.microsoft.com/office/powerpoint/2010/main" id="1" dur="indefinite" restart="never" nodeType="tmRoot"/>
+      </p:par>
+    </p:tnLst>
+  </p:timing>
 </p:sld>
 </file>
 
